--- a/Poster.pptx
+++ b/Poster.pptx
@@ -450,7 +450,7 @@
                   <a:spcPts val="1223"/>
                 </a:lnSpc>
               </a:pPr>
-              <a:t>‹Nr.›</a:t>
+              <a:t>‹#›</a:t>
             </a:fld>
             <a:endParaRPr lang="de-DE" sz="900">
               <a:latin typeface="Arial"/>
@@ -681,7 +681,7 @@
                 </a:lnSpc>
                 <a:defRPr/>
               </a:pPr>
-              <a:t>05.10.2022</a:t>
+              <a:t>06.10.2022</a:t>
             </a:fld>
             <a:endParaRPr lang="de-DE" sz="900"/>
           </a:p>
@@ -1313,7 +1313,7 @@
                   <a:spcPts val="1223"/>
                 </a:lnSpc>
               </a:pPr>
-              <a:t>‹Nr.›</a:t>
+              <a:t>‹#›</a:t>
             </a:fld>
             <a:endParaRPr kumimoji="0" lang="de-DE" sz="900">
               <a:solidFill>
@@ -1547,7 +1547,7 @@
                 </a:lnSpc>
                 <a:defRPr/>
               </a:pPr>
-              <a:t>05.10.2022</a:t>
+              <a:t>06.10.2022</a:t>
             </a:fld>
             <a:endParaRPr lang="de-DE" sz="900"/>
           </a:p>
@@ -8058,7 +8058,7 @@
             <a:pPr algn="just"/>
             <a:r>
               <a:rPr lang="en-US" sz="3200" dirty="0"/>
-              <a:t>Abstract – Addressing the challenges associated with open electrical grid models to advance load flow simulations required for the transition toward a sustainable energy system. This paper presents a Python-based open electrical grid model generator by using OpenStreetMap data as the input to increase the availability of open-source models for regional transmission networks. The method is based on the existing open electrical grid tool </a:t>
+              <a:t>Abstract – This paper aims at the challenges associated with open electrical grid models to advance load flow simulations required for the transition toward a sustainable energy system. This paper presents a Python-based open electrical grid model generator by using OpenStreetMap data as the input to increase the availability of open-source models for regional transmission networks. The method is based on the existing open electrical grid tool </a:t>
             </a:r>
             <a:r>
               <a:rPr lang="en-US" sz="3200" dirty="0" err="1"/>
@@ -10279,7 +10279,7 @@
             <a:pPr algn="just"/>
             <a:r>
               <a:rPr lang="en-US" sz="3200" dirty="0"/>
-              <a:t>As decentralization of generation of electricity is going forward as sustainable energy is in focus more than ever, more electrical grid models are needed, e.g. to simulate power flow. Especially countries of the global south, like Africa, could gain much from this transition and models, which brings the need of public, open-source models being available. This project makes a step forward contributing to this issue by using OSM data and Python as a programming language to develop an existing open grid model for the German transmission network into an open tool for creating electrical grid models.</a:t>
+              <a:t>As decentralization of generation of electricity is going forward as sustainable energy is in focus more than ever, more electrical grid models are needed, e.g. to simulate power flow. Countries of the global south and especially Africa could gain much from this transition and models, which brings the need of public, open-source models being available. This project makes a step forward contributing to this issue by using OSM data and Python as a programming language to develop an existing open grid model for the German transmission network into an open tool for creating electrical grid models.</a:t>
             </a:r>
           </a:p>
           <a:p>

--- a/Poster.pptx
+++ b/Poster.pptx
@@ -8979,7 +8979,7 @@
         <p:spPr>
           <a:xfrm>
             <a:off x="1085498" y="21004352"/>
-            <a:ext cx="9411166" cy="830997"/>
+            <a:ext cx="11775596" cy="830997"/>
           </a:xfrm>
           <a:prstGeom prst="rect">
             <a:avLst/>
@@ -8994,7 +8994,7 @@
           <a:p>
             <a:r>
               <a:rPr lang="en-US" sz="4800" b="1" dirty="0"/>
-              <a:t>2. Theory and Application of ….</a:t>
+              <a:t>2. Theory and Application of the Filter </a:t>
             </a:r>
             <a:endParaRPr lang="en-US" sz="4000" b="1" dirty="0"/>
           </a:p>
@@ -9009,7 +9009,7 @@
         <p:spPr>
           <a:xfrm>
             <a:off x="1151321" y="21972912"/>
-            <a:ext cx="13206660" cy="3046988"/>
+            <a:ext cx="13206660" cy="7417415"/>
           </a:xfrm>
           <a:prstGeom prst="rect">
             <a:avLst/>
@@ -9028,7 +9028,7 @@
             </a:pPr>
             <a:r>
               <a:rPr lang="en-US" sz="3400" dirty="0"/>
-              <a:t>Text</a:t>
+              <a:t>The OSM data includes all data of the selected region. Hence the data must be filtered to sort out unnecessary objects like streets and bus lines. For that three Iterations are used:</a:t>
             </a:r>
           </a:p>
           <a:p>
@@ -9038,23 +9038,50 @@
             </a:pPr>
             <a:r>
               <a:rPr lang="en-US" sz="3400" dirty="0"/>
-              <a:t>Text</a:t>
-            </a:r>
-          </a:p>
-          <a:p>
-            <a:pPr algn="just"/>
-            <a:endParaRPr lang="de-DE" sz="2800" b="1" i="1" dirty="0"/>
-          </a:p>
-          <a:p>
-            <a:pPr algn="just"/>
-            <a:r>
-              <a:rPr lang="de-DE" sz="2800" b="1" i="1" dirty="0"/>
-              <a:t>Formel……</a:t>
-            </a:r>
-            <a:endParaRPr lang="en-US" sz="2800" dirty="0"/>
-          </a:p>
-          <a:p>
-            <a:pPr algn="just"/>
+              <a:t>1. Objects of the class Relation with the value “power” for the tag “route” are saved as a Python tuple object.</a:t>
+            </a:r>
+          </a:p>
+          <a:p>
+            <a:pPr marL="457200" indent="-457200" algn="just">
+              <a:buFont typeface="Arial" panose="020B0604020202020204" pitchFamily="34" charset="0"/>
+              <a:buChar char="•"/>
+            </a:pPr>
+            <a:r>
+              <a:rPr lang="en-US" sz="3400" dirty="0"/>
+              <a:t>2. Objects of the class Ways with the tag “power” or if the Way object can be found in the before saved list of Relations. Also, all Nodes listed in this Way object are saved.</a:t>
+            </a:r>
+          </a:p>
+          <a:p>
+            <a:pPr marL="457200" indent="-457200" algn="just">
+              <a:buFont typeface="Arial" panose="020B0604020202020204" pitchFamily="34" charset="0"/>
+              <a:buChar char="•"/>
+            </a:pPr>
+            <a:r>
+              <a:rPr lang="en-US" sz="3400" dirty="0"/>
+              <a:t>3. Objects of the class Nodes are considered. </a:t>
+            </a:r>
+            <a:r>
+              <a:rPr lang="en-GB" sz="3400" dirty="0"/>
+              <a:t>Here, only the Nodes are needed, that are part of the Node tuple created in the second iteration. </a:t>
+            </a:r>
+          </a:p>
+          <a:p>
+            <a:pPr marL="457200" indent="-457200" algn="just">
+              <a:buFont typeface="Arial" panose="020B0604020202020204" pitchFamily="34" charset="0"/>
+              <a:buChar char="•"/>
+            </a:pPr>
+            <a:r>
+              <a:rPr lang="en-GB" sz="3400" dirty="0"/>
+              <a:t>These results are converted to a Panda’s </a:t>
+            </a:r>
+            <a:r>
+              <a:rPr lang="en-GB" sz="3400" dirty="0" err="1"/>
+              <a:t>DataFrame</a:t>
+            </a:r>
+            <a:r>
+              <a:rPr lang="en-GB" sz="3400" dirty="0"/>
+              <a:t> and stored in a separate CSV-File for each Object.</a:t>
+            </a:r>
             <a:endParaRPr lang="en-US" sz="3400" dirty="0"/>
           </a:p>
           <a:p>
@@ -9102,7 +9129,7 @@
         <p:spPr>
           <a:xfrm>
             <a:off x="1151321" y="34591837"/>
-            <a:ext cx="9308574" cy="830997"/>
+            <a:ext cx="8953092" cy="830997"/>
           </a:xfrm>
           <a:prstGeom prst="rect">
             <a:avLst/>
@@ -9117,7 +9144,7 @@
           <a:p>
             <a:r>
               <a:rPr lang="en-US" sz="4800" b="1" dirty="0"/>
-              <a:t>3. Assumptions and Scenarios</a:t>
+              <a:t>3. Theory of the Python Script</a:t>
             </a:r>
             <a:endParaRPr lang="en-US" sz="4000" b="1" dirty="0"/>
           </a:p>
@@ -9469,14 +9496,14 @@
           <p:nvPr>
             <p:extLst>
               <p:ext uri="{D42A27DB-BD31-4B8C-83A1-F6EECF244321}">
-                <p14:modId xmlns:p14="http://schemas.microsoft.com/office/powerpoint/2010/main" val="994694975"/>
+                <p14:modId xmlns:p14="http://schemas.microsoft.com/office/powerpoint/2010/main" val="1764580940"/>
               </p:ext>
             </p:extLst>
           </p:nvPr>
         </p:nvGraphicFramePr>
         <p:xfrm>
-          <a:off x="1077115" y="26272775"/>
-          <a:ext cx="13352304" cy="6941537"/>
+          <a:off x="1034253" y="29205661"/>
+          <a:ext cx="13352304" cy="5486400"/>
         </p:xfrm>
         <a:graphic>
           <a:graphicData uri="http://schemas.openxmlformats.org/drawingml/2006/table">
@@ -9507,7 +9534,7 @@
                   </a:extLst>
                 </a:gridCol>
               </a:tblGrid>
-              <a:tr h="1183580">
+              <a:tr h="0">
                 <a:tc>
                   <a:txBody>
                     <a:bodyPr/>
@@ -9556,7 +9583,7 @@
                   </a:ext>
                 </a:extLst>
               </a:tr>
-              <a:tr h="639773">
+              <a:tr h="0">
                 <a:tc>
                   <a:txBody>
                     <a:bodyPr/>
@@ -9647,7 +9674,7 @@
                   </a:ext>
                 </a:extLst>
               </a:tr>
-              <a:tr h="639773">
+              <a:tr h="0">
                 <a:tc>
                   <a:txBody>
                     <a:bodyPr/>
@@ -9696,7 +9723,7 @@
                   </a:ext>
                 </a:extLst>
               </a:tr>
-              <a:tr h="639773">
+              <a:tr h="0">
                 <a:tc>
                   <a:txBody>
                     <a:bodyPr/>
@@ -9750,7 +9777,7 @@
                   </a:ext>
                 </a:extLst>
               </a:tr>
-              <a:tr h="639773">
+              <a:tr h="0">
                 <a:tc>
                   <a:txBody>
                     <a:bodyPr/>
@@ -9799,7 +9826,7 @@
                   </a:ext>
                 </a:extLst>
               </a:tr>
-              <a:tr h="639773">
+              <a:tr h="0">
                 <a:tc>
                   <a:txBody>
                     <a:bodyPr/>
@@ -9848,7 +9875,7 @@
                   </a:ext>
                 </a:extLst>
               </a:tr>
-              <a:tr h="639773">
+              <a:tr h="0">
                 <a:tc>
                   <a:txBody>
                     <a:bodyPr/>
@@ -9899,7 +9926,7 @@
                   </a:ext>
                 </a:extLst>
               </a:tr>
-              <a:tr h="639773">
+              <a:tr h="0">
                 <a:tc>
                   <a:txBody>
                     <a:bodyPr/>
@@ -9948,7 +9975,7 @@
                   </a:ext>
                 </a:extLst>
               </a:tr>
-              <a:tr h="639773">
+              <a:tr h="0">
                 <a:tc>
                   <a:txBody>
                     <a:bodyPr/>
@@ -10001,7 +10028,7 @@
                   </a:ext>
                 </a:extLst>
               </a:tr>
-              <a:tr h="639773">
+              <a:tr h="0">
                 <a:tc>
                   <a:txBody>
                     <a:bodyPr/>

--- a/Poster.pptx
+++ b/Poster.pptx
@@ -9072,7 +9072,7 @@
             </a:pPr>
             <a:r>
               <a:rPr lang="en-GB" sz="3400" dirty="0"/>
-              <a:t>These results are converted to a Panda’s </a:t>
+              <a:t>These results are converted to a Pandas </a:t>
             </a:r>
             <a:r>
               <a:rPr lang="en-GB" sz="3400" dirty="0" err="1"/>

--- a/Poster.pptx
+++ b/Poster.pptx
@@ -681,7 +681,7 @@
                 </a:lnSpc>
                 <a:defRPr/>
               </a:pPr>
-              <a:t>06.10.2022</a:t>
+              <a:t>07.10.2022</a:t>
             </a:fld>
             <a:endParaRPr lang="de-DE" sz="900"/>
           </a:p>
@@ -1547,7 +1547,7 @@
                 </a:lnSpc>
                 <a:defRPr/>
               </a:pPr>
-              <a:t>06.10.2022</a:t>
+              <a:t>07.10.2022</a:t>
             </a:fld>
             <a:endParaRPr lang="de-DE" sz="900"/>
           </a:p>
@@ -8230,7 +8230,7 @@
           <a:p>
             <a:r>
               <a:rPr lang="en-US" sz="4800" b="1" dirty="0"/>
-              <a:t>Scenario 1: xxx</a:t>
+              <a:t>Scenario 1: Missing Frequency value</a:t>
             </a:r>
             <a:endParaRPr lang="en-US" sz="4000" b="1" dirty="0"/>
           </a:p>
@@ -8432,7 +8432,7 @@
         </p:nvCxnSpPr>
         <p:spPr>
           <a:xfrm>
-            <a:off x="0" y="35422835"/>
+            <a:off x="217306" y="30525111"/>
             <a:ext cx="14429419" cy="31857"/>
           </a:xfrm>
           <a:prstGeom prst="line">
@@ -9128,7 +9128,7 @@
         </p:nvSpPr>
         <p:spPr>
           <a:xfrm>
-            <a:off x="1151321" y="34591837"/>
+            <a:off x="1368627" y="29694113"/>
             <a:ext cx="8953092" cy="830997"/>
           </a:xfrm>
           <a:prstGeom prst="rect">
@@ -9223,8 +9223,8 @@
         </p:nvSpPr>
         <p:spPr>
           <a:xfrm>
-            <a:off x="24545699" y="9747843"/>
-            <a:ext cx="5202598" cy="4124206"/>
+            <a:off x="15746219" y="9596992"/>
+            <a:ext cx="13946164" cy="3600986"/>
           </a:xfrm>
           <a:prstGeom prst="rect">
             <a:avLst/>
@@ -9242,43 +9242,19 @@
               <a:buChar char="•"/>
             </a:pPr>
             <a:r>
-              <a:rPr lang="en-US" sz="3400" dirty="0"/>
-              <a:t>Text</a:t>
-            </a:r>
-          </a:p>
-          <a:p>
-            <a:pPr marL="342000" indent="-342000" algn="just">
+              <a:rPr lang="en-GB" sz="3400" dirty="0"/>
+              <a:t>If a frequency value is missing, the frequency value of a member of the same circuit is considered and partly used.</a:t>
+            </a:r>
+          </a:p>
+          <a:p>
+            <a:pPr marL="342900" indent="-342900" algn="just">
               <a:buFont typeface="Arial" panose="020B0604020202020204" pitchFamily="34" charset="0"/>
               <a:buChar char="•"/>
             </a:pPr>
             <a:r>
-              <a:rPr lang="en-US" sz="3400" u="sng" dirty="0"/>
-              <a:t>Text</a:t>
-            </a:r>
-          </a:p>
-          <a:p>
-            <a:pPr marL="342000" lvl="1" indent="-342000" algn="just">
-              <a:buFont typeface="Arial" panose="020B0604020202020204" pitchFamily="34" charset="0"/>
-              <a:buChar char="•"/>
-            </a:pPr>
-            <a:r>
-              <a:rPr lang="en-US" sz="3400" dirty="0"/>
-              <a:t>Text</a:t>
-            </a:r>
-          </a:p>
-          <a:p>
-            <a:pPr marL="342000" lvl="1" indent="-342000" algn="just">
-              <a:buFont typeface="Arial" panose="020B0604020202020204" pitchFamily="34" charset="0"/>
-              <a:buChar char="•"/>
-            </a:pPr>
-            <a:r>
-              <a:rPr lang="en-US" sz="3400" dirty="0"/>
-              <a:t>Text</a:t>
-            </a:r>
-          </a:p>
-          <a:p>
-            <a:pPr marL="377100" lvl="1" algn="just"/>
-            <a:endParaRPr lang="en-US" sz="3400" dirty="0"/>
+              <a:rPr lang="en-GB" sz="3400" dirty="0"/>
+              <a:t>If a line has the same start- or endpoint and the voltage is the same it is considered as a neighbour.</a:t>
+            </a:r>
           </a:p>
           <a:p>
             <a:pPr marL="342900" indent="-342900" algn="just">
@@ -9311,8 +9287,8 @@
         </p:nvSpPr>
         <p:spPr>
           <a:xfrm>
-            <a:off x="1023517" y="36123510"/>
-            <a:ext cx="13309440" cy="1969770"/>
+            <a:off x="1240823" y="31225786"/>
+            <a:ext cx="13309440" cy="5786199"/>
           </a:xfrm>
           <a:prstGeom prst="rect">
             <a:avLst/>
@@ -9336,7 +9312,7 @@
               <a:rPr lang="en-GB" sz="3400" spc="-5" dirty="0">
                 <a:ea typeface="MS Mincho"/>
               </a:rPr>
-              <a:t>Text</a:t>
+              <a:t>The task is to add missing data of the components (e.g. substations) through derivations and correlations of existing data, surrounding networks and assumptions for certain characteristics. </a:t>
             </a:r>
           </a:p>
           <a:p>
@@ -9351,7 +9327,19 @@
               <a:rPr lang="en-GB" sz="3400" spc="-5" dirty="0">
                 <a:ea typeface="MS Mincho"/>
               </a:rPr>
-              <a:t>Text</a:t>
+              <a:t>1. Read in the generated CSV-Data as Pandas </a:t>
+            </a:r>
+            <a:r>
+              <a:rPr lang="en-GB" sz="3400" spc="-5" dirty="0" err="1">
+                <a:ea typeface="MS Mincho"/>
+              </a:rPr>
+              <a:t>DataFrame</a:t>
+            </a:r>
+            <a:r>
+              <a:rPr lang="en-GB" sz="3400" spc="-5" dirty="0">
+                <a:ea typeface="MS Mincho"/>
+              </a:rPr>
+              <a:t> and partly split it up. For example the ways Table is separated in substations and lines/cables. </a:t>
             </a:r>
           </a:p>
           <a:p>
@@ -9366,9 +9354,30 @@
               <a:rPr lang="en-GB" sz="3400" spc="-5" dirty="0">
                 <a:ea typeface="MS Mincho"/>
               </a:rPr>
-              <a:t>Text</a:t>
-            </a:r>
-            <a:endParaRPr lang="de-DE" sz="3400" spc="-5" dirty="0">
+              <a:t>2. Adjustment of the data of the respective tags</a:t>
+            </a:r>
+            <a:r>
+              <a:rPr lang="de-DE" sz="3400" spc="-5" dirty="0">
+                <a:ea typeface="MS Mincho"/>
+              </a:rPr>
+              <a:t>. </a:t>
+            </a:r>
+            <a:r>
+              <a:rPr lang="en-GB" sz="3400" spc="-5" dirty="0">
+                <a:ea typeface="MS Mincho"/>
+              </a:rPr>
+              <a:t>Therefore, the data types of same values are unified. Now missing data can be added and errors can be removed. </a:t>
+            </a:r>
+          </a:p>
+          <a:p>
+            <a:pPr marL="457200" indent="-457200" algn="just">
+              <a:spcAft>
+                <a:spcPts val="1200"/>
+              </a:spcAft>
+              <a:buFont typeface="Arial" panose="020B0604020202020204" pitchFamily="34" charset="0"/>
+              <a:buChar char="•"/>
+            </a:pPr>
+            <a:endParaRPr lang="en-GB" sz="3400" spc="-5" dirty="0">
               <a:ea typeface="MS Mincho"/>
             </a:endParaRPr>
           </a:p>
@@ -9487,600 +9496,6 @@
           </a:extLst>
         </p:spPr>
       </p:pic>
-      <p:graphicFrame>
-        <p:nvGraphicFramePr>
-          <p:cNvPr id="9" name="Tabelle 8"/>
-          <p:cNvGraphicFramePr>
-            <a:graphicFrameLocks noGrp="1"/>
-          </p:cNvGraphicFramePr>
-          <p:nvPr>
-            <p:extLst>
-              <p:ext uri="{D42A27DB-BD31-4B8C-83A1-F6EECF244321}">
-                <p14:modId xmlns:p14="http://schemas.microsoft.com/office/powerpoint/2010/main" val="1764580940"/>
-              </p:ext>
-            </p:extLst>
-          </p:nvPr>
-        </p:nvGraphicFramePr>
-        <p:xfrm>
-          <a:off x="1034253" y="29205661"/>
-          <a:ext cx="13352304" cy="5486400"/>
-        </p:xfrm>
-        <a:graphic>
-          <a:graphicData uri="http://schemas.openxmlformats.org/drawingml/2006/table">
-            <a:tbl>
-              <a:tblPr firstRow="1" bandRow="1">
-                <a:tableStyleId>{0E3FDE45-AF77-4B5C-9715-49D594BDF05E}</a:tableStyleId>
-              </a:tblPr>
-              <a:tblGrid>
-                <a:gridCol w="4868464">
-                  <a:extLst>
-                    <a:ext uri="{9D8B030D-6E8A-4147-A177-3AD203B41FA5}">
-                      <a16:colId xmlns:a16="http://schemas.microsoft.com/office/drawing/2014/main" val="20000"/>
-                    </a:ext>
-                  </a:extLst>
-                </a:gridCol>
-                <a:gridCol w="4053696">
-                  <a:extLst>
-                    <a:ext uri="{9D8B030D-6E8A-4147-A177-3AD203B41FA5}">
-                      <a16:colId xmlns:a16="http://schemas.microsoft.com/office/drawing/2014/main" val="20001"/>
-                    </a:ext>
-                  </a:extLst>
-                </a:gridCol>
-                <a:gridCol w="4430144">
-                  <a:extLst>
-                    <a:ext uri="{9D8B030D-6E8A-4147-A177-3AD203B41FA5}">
-                      <a16:colId xmlns:a16="http://schemas.microsoft.com/office/drawing/2014/main" val="20002"/>
-                    </a:ext>
-                  </a:extLst>
-                </a:gridCol>
-              </a:tblGrid>
-              <a:tr h="0">
-                <a:tc>
-                  <a:txBody>
-                    <a:bodyPr/>
-                    <a:lstStyle/>
-                    <a:p>
-                      <a:pPr algn="ctr"/>
-                      <a:r>
-                        <a:rPr lang="en-GB" sz="3000" noProof="0" dirty="0"/>
-                        <a:t>xx parameter </a:t>
-                      </a:r>
-                    </a:p>
-                  </a:txBody>
-                  <a:tcPr/>
-                </a:tc>
-                <a:tc>
-                  <a:txBody>
-                    <a:bodyPr/>
-                    <a:lstStyle/>
-                    <a:p>
-                      <a:pPr algn="ctr"/>
-                      <a:r>
-                        <a:rPr lang="en-GB" sz="3000" noProof="0" dirty="0"/>
-                        <a:t>xx</a:t>
-                      </a:r>
-                    </a:p>
-                  </a:txBody>
-                  <a:tcPr/>
-                </a:tc>
-                <a:tc>
-                  <a:txBody>
-                    <a:bodyPr/>
-                    <a:lstStyle/>
-                    <a:p>
-                      <a:pPr algn="ctr"/>
-                      <a:r>
-                        <a:rPr lang="en-GB" sz="3000" noProof="0" dirty="0"/>
-                        <a:t>xx</a:t>
-                      </a:r>
-                    </a:p>
-                  </a:txBody>
-                  <a:tcPr/>
-                </a:tc>
-                <a:extLst>
-                  <a:ext uri="{0D108BD9-81ED-4DB2-BD59-A6C34878D82A}">
-                    <a16:rowId xmlns:a16="http://schemas.microsoft.com/office/drawing/2014/main" val="10000"/>
-                  </a:ext>
-                </a:extLst>
-              </a:tr>
-              <a:tr h="0">
-                <a:tc>
-                  <a:txBody>
-                    <a:bodyPr/>
-                    <a:lstStyle/>
-                    <a:p>
-                      <a:pPr algn="just"/>
-                      <a:r>
-                        <a:rPr lang="en-GB" sz="3000" noProof="0" dirty="0"/>
-                        <a:t>xx</a:t>
-                      </a:r>
-                    </a:p>
-                  </a:txBody>
-                  <a:tcPr/>
-                </a:tc>
-                <a:tc>
-                  <a:txBody>
-                    <a:bodyPr/>
-                    <a:lstStyle/>
-                    <a:p>
-                      <a:pPr marL="0" marR="0" indent="0" algn="ctr" defTabSz="1993301" rtl="0" eaLnBrk="1" fontAlgn="auto" latinLnBrk="0" hangingPunct="1">
-                        <a:lnSpc>
-                          <a:spcPct val="100000"/>
-                        </a:lnSpc>
-                        <a:spcBef>
-                          <a:spcPts val="0"/>
-                        </a:spcBef>
-                        <a:spcAft>
-                          <a:spcPts val="0"/>
-                        </a:spcAft>
-                        <a:buClrTx/>
-                        <a:buSzTx/>
-                        <a:buFontTx/>
-                        <a:buNone/>
-                        <a:tabLst/>
-                        <a:defRPr/>
-                      </a:pPr>
-                      <a:r>
-                        <a:rPr lang="en-GB" sz="3000" noProof="0" dirty="0"/>
-                        <a:t>xx</a:t>
-                      </a:r>
-                      <a:r>
-                        <a:rPr lang="en-GB" sz="3000" baseline="0" noProof="0" dirty="0"/>
-                        <a:t> €</a:t>
-                      </a:r>
-                      <a:endParaRPr lang="en-GB" sz="3000" noProof="0" dirty="0"/>
-                    </a:p>
-                  </a:txBody>
-                  <a:tcPr/>
-                </a:tc>
-                <a:tc>
-                  <a:txBody>
-                    <a:bodyPr/>
-                    <a:lstStyle/>
-                    <a:p>
-                      <a:pPr marL="0" marR="0" indent="0" algn="ctr" defTabSz="1993301" rtl="0" eaLnBrk="1" fontAlgn="auto" latinLnBrk="0" hangingPunct="1">
-                        <a:lnSpc>
-                          <a:spcPct val="100000"/>
-                        </a:lnSpc>
-                        <a:spcBef>
-                          <a:spcPts val="0"/>
-                        </a:spcBef>
-                        <a:spcAft>
-                          <a:spcPts val="0"/>
-                        </a:spcAft>
-                        <a:buClrTx/>
-                        <a:buSzTx/>
-                        <a:buFontTx/>
-                        <a:buNone/>
-                        <a:tabLst/>
-                        <a:defRPr/>
-                      </a:pPr>
-                      <a:r>
-                        <a:rPr lang="en-GB" sz="3000" noProof="0" dirty="0"/>
-                        <a:t>xx</a:t>
-                      </a:r>
-                      <a:r>
-                        <a:rPr lang="en-GB" sz="3000" baseline="0" noProof="0" dirty="0"/>
-                        <a:t> €</a:t>
-                      </a:r>
-                      <a:endParaRPr lang="en-GB" sz="3000" noProof="0" dirty="0"/>
-                    </a:p>
-                  </a:txBody>
-                  <a:tcPr/>
-                </a:tc>
-                <a:extLst>
-                  <a:ext uri="{0D108BD9-81ED-4DB2-BD59-A6C34878D82A}">
-                    <a16:rowId xmlns:a16="http://schemas.microsoft.com/office/drawing/2014/main" val="10001"/>
-                  </a:ext>
-                </a:extLst>
-              </a:tr>
-              <a:tr h="0">
-                <a:tc>
-                  <a:txBody>
-                    <a:bodyPr/>
-                    <a:lstStyle/>
-                    <a:p>
-                      <a:pPr algn="just"/>
-                      <a:r>
-                        <a:rPr lang="en-GB" sz="3000" noProof="0" dirty="0"/>
-                        <a:t>xx</a:t>
-                      </a:r>
-                    </a:p>
-                  </a:txBody>
-                  <a:tcPr/>
-                </a:tc>
-                <a:tc>
-                  <a:txBody>
-                    <a:bodyPr/>
-                    <a:lstStyle/>
-                    <a:p>
-                      <a:pPr algn="ctr"/>
-                      <a:r>
-                        <a:rPr lang="de-DE" sz="3000" dirty="0"/>
-                        <a:t>xx €</a:t>
-                      </a:r>
-                    </a:p>
-                  </a:txBody>
-                  <a:tcPr/>
-                </a:tc>
-                <a:tc>
-                  <a:txBody>
-                    <a:bodyPr/>
-                    <a:lstStyle/>
-                    <a:p>
-                      <a:pPr algn="ctr"/>
-                      <a:r>
-                        <a:rPr lang="de-DE" sz="3000" dirty="0"/>
-                        <a:t>xx €</a:t>
-                      </a:r>
-                    </a:p>
-                  </a:txBody>
-                  <a:tcPr/>
-                </a:tc>
-                <a:extLst>
-                  <a:ext uri="{0D108BD9-81ED-4DB2-BD59-A6C34878D82A}">
-                    <a16:rowId xmlns:a16="http://schemas.microsoft.com/office/drawing/2014/main" val="10002"/>
-                  </a:ext>
-                </a:extLst>
-              </a:tr>
-              <a:tr h="0">
-                <a:tc>
-                  <a:txBody>
-                    <a:bodyPr/>
-                    <a:lstStyle/>
-                    <a:p>
-                      <a:pPr algn="just"/>
-                      <a:r>
-                        <a:rPr lang="en-GB" sz="3000" noProof="0" dirty="0"/>
-                        <a:t>xx</a:t>
-                      </a:r>
-                    </a:p>
-                  </a:txBody>
-                  <a:tcPr/>
-                </a:tc>
-                <a:tc>
-                  <a:txBody>
-                    <a:bodyPr/>
-                    <a:lstStyle/>
-                    <a:p>
-                      <a:pPr algn="ctr"/>
-                      <a:r>
-                        <a:rPr lang="de-DE" sz="3000" dirty="0"/>
-                        <a:t>xx €</a:t>
-                      </a:r>
-                    </a:p>
-                  </a:txBody>
-                  <a:tcPr/>
-                </a:tc>
-                <a:tc>
-                  <a:txBody>
-                    <a:bodyPr/>
-                    <a:lstStyle/>
-                    <a:p>
-                      <a:pPr algn="ctr"/>
-                      <a:r>
-                        <a:rPr lang="de-DE" sz="3000" dirty="0"/>
-                        <a:t>xx</a:t>
-                      </a:r>
-                      <a:r>
-                        <a:rPr lang="de-DE" sz="3000" baseline="0" dirty="0"/>
-                        <a:t> €</a:t>
-                      </a:r>
-                      <a:endParaRPr lang="de-DE" sz="3000" dirty="0"/>
-                    </a:p>
-                  </a:txBody>
-                  <a:tcPr/>
-                </a:tc>
-                <a:extLst>
-                  <a:ext uri="{0D108BD9-81ED-4DB2-BD59-A6C34878D82A}">
-                    <a16:rowId xmlns:a16="http://schemas.microsoft.com/office/drawing/2014/main" val="10003"/>
-                  </a:ext>
-                </a:extLst>
-              </a:tr>
-              <a:tr h="0">
-                <a:tc>
-                  <a:txBody>
-                    <a:bodyPr/>
-                    <a:lstStyle/>
-                    <a:p>
-                      <a:pPr algn="just"/>
-                      <a:r>
-                        <a:rPr lang="en-GB" sz="3000" noProof="0" dirty="0"/>
-                        <a:t>xx</a:t>
-                      </a:r>
-                    </a:p>
-                  </a:txBody>
-                  <a:tcPr/>
-                </a:tc>
-                <a:tc>
-                  <a:txBody>
-                    <a:bodyPr/>
-                    <a:lstStyle/>
-                    <a:p>
-                      <a:pPr algn="ctr"/>
-                      <a:r>
-                        <a:rPr lang="de-DE" sz="3000" dirty="0"/>
-                        <a:t>xx</a:t>
-                      </a:r>
-                    </a:p>
-                  </a:txBody>
-                  <a:tcPr/>
-                </a:tc>
-                <a:tc>
-                  <a:txBody>
-                    <a:bodyPr/>
-                    <a:lstStyle/>
-                    <a:p>
-                      <a:pPr algn="ctr"/>
-                      <a:r>
-                        <a:rPr lang="de-DE" sz="3000" dirty="0"/>
-                        <a:t>xx</a:t>
-                      </a:r>
-                    </a:p>
-                  </a:txBody>
-                  <a:tcPr/>
-                </a:tc>
-                <a:extLst>
-                  <a:ext uri="{0D108BD9-81ED-4DB2-BD59-A6C34878D82A}">
-                    <a16:rowId xmlns:a16="http://schemas.microsoft.com/office/drawing/2014/main" val="10004"/>
-                  </a:ext>
-                </a:extLst>
-              </a:tr>
-              <a:tr h="0">
-                <a:tc>
-                  <a:txBody>
-                    <a:bodyPr/>
-                    <a:lstStyle/>
-                    <a:p>
-                      <a:pPr algn="just"/>
-                      <a:r>
-                        <a:rPr lang="en-GB" sz="3000" noProof="0" dirty="0"/>
-                        <a:t>xx</a:t>
-                      </a:r>
-                    </a:p>
-                  </a:txBody>
-                  <a:tcPr/>
-                </a:tc>
-                <a:tc>
-                  <a:txBody>
-                    <a:bodyPr/>
-                    <a:lstStyle/>
-                    <a:p>
-                      <a:pPr algn="ctr"/>
-                      <a:r>
-                        <a:rPr lang="de-DE" sz="3000" dirty="0"/>
-                        <a:t>xx% </a:t>
-                      </a:r>
-                    </a:p>
-                  </a:txBody>
-                  <a:tcPr/>
-                </a:tc>
-                <a:tc>
-                  <a:txBody>
-                    <a:bodyPr/>
-                    <a:lstStyle/>
-                    <a:p>
-                      <a:pPr algn="ctr"/>
-                      <a:r>
-                        <a:rPr lang="de-DE" sz="3000" dirty="0"/>
-                        <a:t>xx%</a:t>
-                      </a:r>
-                    </a:p>
-                  </a:txBody>
-                  <a:tcPr/>
-                </a:tc>
-                <a:extLst>
-                  <a:ext uri="{0D108BD9-81ED-4DB2-BD59-A6C34878D82A}">
-                    <a16:rowId xmlns:a16="http://schemas.microsoft.com/office/drawing/2014/main" val="10005"/>
-                  </a:ext>
-                </a:extLst>
-              </a:tr>
-              <a:tr h="0">
-                <a:tc>
-                  <a:txBody>
-                    <a:bodyPr/>
-                    <a:lstStyle/>
-                    <a:p>
-                      <a:pPr algn="just"/>
-                      <a:r>
-                        <a:rPr lang="en-GB" sz="3000" noProof="0" dirty="0"/>
-                        <a:t>xx</a:t>
-                      </a:r>
-                    </a:p>
-                  </a:txBody>
-                  <a:tcPr/>
-                </a:tc>
-                <a:tc>
-                  <a:txBody>
-                    <a:bodyPr/>
-                    <a:lstStyle/>
-                    <a:p>
-                      <a:pPr algn="ctr"/>
-                      <a:r>
-                        <a:rPr lang="de-DE" sz="3000" dirty="0"/>
-                        <a:t>xx%</a:t>
-                      </a:r>
-                      <a:endParaRPr lang="en-GB" sz="3000" noProof="0" dirty="0"/>
-                    </a:p>
-                  </a:txBody>
-                  <a:tcPr/>
-                </a:tc>
-                <a:tc>
-                  <a:txBody>
-                    <a:bodyPr/>
-                    <a:lstStyle/>
-                    <a:p>
-                      <a:pPr algn="ctr"/>
-                      <a:r>
-                        <a:rPr lang="de-DE" sz="3000" dirty="0"/>
-                        <a:t>xx%</a:t>
-                      </a:r>
-                      <a:endParaRPr lang="en-GB" sz="3000" noProof="0" dirty="0"/>
-                    </a:p>
-                  </a:txBody>
-                  <a:tcPr/>
-                </a:tc>
-                <a:extLst>
-                  <a:ext uri="{0D108BD9-81ED-4DB2-BD59-A6C34878D82A}">
-                    <a16:rowId xmlns:a16="http://schemas.microsoft.com/office/drawing/2014/main" val="10006"/>
-                  </a:ext>
-                </a:extLst>
-              </a:tr>
-              <a:tr h="0">
-                <a:tc>
-                  <a:txBody>
-                    <a:bodyPr/>
-                    <a:lstStyle/>
-                    <a:p>
-                      <a:pPr algn="just"/>
-                      <a:r>
-                        <a:rPr lang="en-GB" sz="3000" noProof="0" dirty="0"/>
-                        <a:t>xx</a:t>
-                      </a:r>
-                    </a:p>
-                  </a:txBody>
-                  <a:tcPr/>
-                </a:tc>
-                <a:tc>
-                  <a:txBody>
-                    <a:bodyPr/>
-                    <a:lstStyle/>
-                    <a:p>
-                      <a:pPr algn="ctr"/>
-                      <a:r>
-                        <a:rPr lang="de-DE" sz="3000" dirty="0"/>
-                        <a:t>xx%</a:t>
-                      </a:r>
-                    </a:p>
-                  </a:txBody>
-                  <a:tcPr/>
-                </a:tc>
-                <a:tc>
-                  <a:txBody>
-                    <a:bodyPr/>
-                    <a:lstStyle/>
-                    <a:p>
-                      <a:pPr algn="ctr"/>
-                      <a:r>
-                        <a:rPr lang="de-DE" sz="3000" dirty="0"/>
-                        <a:t>xx%</a:t>
-                      </a:r>
-                    </a:p>
-                  </a:txBody>
-                  <a:tcPr/>
-                </a:tc>
-                <a:extLst>
-                  <a:ext uri="{0D108BD9-81ED-4DB2-BD59-A6C34878D82A}">
-                    <a16:rowId xmlns:a16="http://schemas.microsoft.com/office/drawing/2014/main" val="10007"/>
-                  </a:ext>
-                </a:extLst>
-              </a:tr>
-              <a:tr h="0">
-                <a:tc>
-                  <a:txBody>
-                    <a:bodyPr/>
-                    <a:lstStyle/>
-                    <a:p>
-                      <a:pPr algn="just"/>
-                      <a:r>
-                        <a:rPr lang="en-GB" sz="3000" noProof="0" dirty="0"/>
-                        <a:t>xx</a:t>
-                      </a:r>
-                    </a:p>
-                  </a:txBody>
-                  <a:tcPr/>
-                </a:tc>
-                <a:tc>
-                  <a:txBody>
-                    <a:bodyPr/>
-                    <a:lstStyle/>
-                    <a:p>
-                      <a:pPr algn="ctr"/>
-                      <a:r>
-                        <a:rPr lang="de-DE" sz="3000" dirty="0"/>
-                        <a:t>xx </a:t>
-                      </a:r>
-                      <a:r>
-                        <a:rPr lang="en-GB" sz="3000" noProof="0" dirty="0"/>
-                        <a:t>yrs.</a:t>
-                      </a:r>
-                    </a:p>
-                  </a:txBody>
-                  <a:tcPr/>
-                </a:tc>
-                <a:tc>
-                  <a:txBody>
-                    <a:bodyPr/>
-                    <a:lstStyle/>
-                    <a:p>
-                      <a:pPr algn="ctr"/>
-                      <a:r>
-                        <a:rPr lang="en-GB" sz="3000" noProof="0" dirty="0"/>
-                        <a:t>xx yrs. </a:t>
-                      </a:r>
-                    </a:p>
-                  </a:txBody>
-                  <a:tcPr/>
-                </a:tc>
-                <a:extLst>
-                  <a:ext uri="{0D108BD9-81ED-4DB2-BD59-A6C34878D82A}">
-                    <a16:rowId xmlns:a16="http://schemas.microsoft.com/office/drawing/2014/main" val="10008"/>
-                  </a:ext>
-                </a:extLst>
-              </a:tr>
-              <a:tr h="0">
-                <a:tc>
-                  <a:txBody>
-                    <a:bodyPr/>
-                    <a:lstStyle/>
-                    <a:p>
-                      <a:pPr algn="just"/>
-                      <a:r>
-                        <a:rPr lang="en-GB" sz="3000" b="1" noProof="0" dirty="0"/>
-                        <a:t>Profit </a:t>
-                      </a:r>
-                    </a:p>
-                  </a:txBody>
-                  <a:tcPr/>
-                </a:tc>
-                <a:tc>
-                  <a:txBody>
-                    <a:bodyPr/>
-                    <a:lstStyle/>
-                    <a:p>
-                      <a:pPr algn="ctr"/>
-                      <a:r>
-                        <a:rPr lang="de-DE" sz="3000" b="1" dirty="0"/>
-                        <a:t>xx €</a:t>
-                      </a:r>
-                    </a:p>
-                  </a:txBody>
-                  <a:tcPr/>
-                </a:tc>
-                <a:tc>
-                  <a:txBody>
-                    <a:bodyPr/>
-                    <a:lstStyle/>
-                    <a:p>
-                      <a:pPr algn="ctr"/>
-                      <a:r>
-                        <a:rPr lang="de-DE" sz="3000" b="1" dirty="0"/>
-                        <a:t>xx€</a:t>
-                      </a:r>
-                    </a:p>
-                  </a:txBody>
-                  <a:tcPr/>
-                </a:tc>
-                <a:extLst>
-                  <a:ext uri="{0D108BD9-81ED-4DB2-BD59-A6C34878D82A}">
-                    <a16:rowId xmlns:a16="http://schemas.microsoft.com/office/drawing/2014/main" val="10009"/>
-                  </a:ext>
-                </a:extLst>
-              </a:tr>
-            </a:tbl>
-          </a:graphicData>
-        </a:graphic>
-      </p:graphicFrame>
       <p:sp>
         <p:nvSpPr>
           <p:cNvPr id="82" name="Textplatzhalter 14"/>
@@ -10201,46 +9616,6 @@
       </p:sp>
       <p:sp>
         <p:nvSpPr>
-          <p:cNvPr id="46" name="Textfeld 45">
-            <a:extLst>
-              <a:ext uri="{FF2B5EF4-FFF2-40B4-BE49-F238E27FC236}">
-                <a16:creationId xmlns:a16="http://schemas.microsoft.com/office/drawing/2014/main" id="{1927268E-6C73-45A3-9942-D1B5B7649C4A}"/>
-              </a:ext>
-            </a:extLst>
-          </p:cNvPr>
-          <p:cNvSpPr txBox="1"/>
-          <p:nvPr/>
-        </p:nvSpPr>
-        <p:spPr>
-          <a:xfrm>
-            <a:off x="15802133" y="10138637"/>
-            <a:ext cx="4666226" cy="584775"/>
-          </a:xfrm>
-          <a:prstGeom prst="rect">
-            <a:avLst/>
-          </a:prstGeom>
-          <a:noFill/>
-          <a:ln>
-            <a:solidFill>
-              <a:schemeClr val="accent1"/>
-            </a:solidFill>
-          </a:ln>
-        </p:spPr>
-        <p:txBody>
-          <a:bodyPr wrap="square" rtlCol="0">
-            <a:spAutoFit/>
-          </a:bodyPr>
-          <a:lstStyle/>
-          <a:p>
-            <a:r>
-              <a:rPr lang="de-DE" sz="3200" dirty="0"/>
-              <a:t>Grafik</a:t>
-            </a:r>
-          </a:p>
-        </p:txBody>
-      </p:sp>
-      <p:sp>
-        <p:nvSpPr>
           <p:cNvPr id="2" name="Textfeld 1">
             <a:extLst>
               <a:ext uri="{FF2B5EF4-FFF2-40B4-BE49-F238E27FC236}">
@@ -10338,6 +9713,36 @@
           </a:p>
         </p:txBody>
       </p:sp>
+      <p:pic>
+        <p:nvPicPr>
+          <p:cNvPr id="6" name="Picture 5">
+            <a:extLst>
+              <a:ext uri="{FF2B5EF4-FFF2-40B4-BE49-F238E27FC236}">
+                <a16:creationId xmlns:a16="http://schemas.microsoft.com/office/drawing/2014/main" id="{2955165D-BCEE-4670-6548-07159268ABE2}"/>
+              </a:ext>
+            </a:extLst>
+          </p:cNvPr>
+          <p:cNvPicPr>
+            <a:picLocks noChangeAspect="1"/>
+          </p:cNvPicPr>
+          <p:nvPr/>
+        </p:nvPicPr>
+        <p:blipFill>
+          <a:blip r:embed="rId4"/>
+          <a:stretch>
+            <a:fillRect/>
+          </a:stretch>
+        </p:blipFill>
+        <p:spPr>
+          <a:xfrm>
+            <a:off x="17921274" y="16136241"/>
+            <a:ext cx="9180830" cy="4348815"/>
+          </a:xfrm>
+          <a:prstGeom prst="rect">
+            <a:avLst/>
+          </a:prstGeom>
+        </p:spPr>
+      </p:pic>
     </p:spTree>
     <p:extLst>
       <p:ext uri="{BB962C8B-B14F-4D97-AF65-F5344CB8AC3E}">

--- a/Poster.pptx
+++ b/Poster.pptx
@@ -450,7 +450,7 @@
                   <a:spcPts val="1223"/>
                 </a:lnSpc>
               </a:pPr>
-              <a:t>‹#›</a:t>
+              <a:t>‹Nr.›</a:t>
             </a:fld>
             <a:endParaRPr lang="de-DE" sz="900">
               <a:latin typeface="Arial"/>
@@ -681,7 +681,7 @@
                 </a:lnSpc>
                 <a:defRPr/>
               </a:pPr>
-              <a:t>07.10.2022</a:t>
+              <a:t>09.10.2022</a:t>
             </a:fld>
             <a:endParaRPr lang="de-DE" sz="900"/>
           </a:p>
@@ -1313,7 +1313,7 @@
                   <a:spcPts val="1223"/>
                 </a:lnSpc>
               </a:pPr>
-              <a:t>‹#›</a:t>
+              <a:t>‹Nr.›</a:t>
             </a:fld>
             <a:endParaRPr kumimoji="0" lang="de-DE" sz="900">
               <a:solidFill>
@@ -1547,7 +1547,7 @@
                 </a:lnSpc>
                 <a:defRPr/>
               </a:pPr>
-              <a:t>07.10.2022</a:t>
+              <a:t>09.10.2022</a:t>
             </a:fld>
             <a:endParaRPr lang="de-DE" sz="900"/>
           </a:p>
@@ -8041,8 +8041,8 @@
         </p:nvSpPr>
         <p:spPr>
           <a:xfrm>
-            <a:off x="1078017" y="4686300"/>
-            <a:ext cx="28085931" cy="3539430"/>
+            <a:off x="1078017" y="4528828"/>
+            <a:ext cx="28085931" cy="4278094"/>
           </a:xfrm>
           <a:prstGeom prst="rect">
             <a:avLst/>
@@ -8057,17 +8057,22 @@
           <a:p>
             <a:pPr algn="just"/>
             <a:r>
-              <a:rPr lang="en-US" sz="3200" dirty="0"/>
-              <a:t>Abstract – This paper aims at the challenges associated with open electrical grid models to advance load flow simulations required for the transition toward a sustainable energy system. This paper presents a Python-based open electrical grid model generator by using OpenStreetMap data as the input to increase the availability of open-source models for regional transmission networks. The method is based on the existing open electrical grid tool </a:t>
-            </a:r>
-            <a:r>
-              <a:rPr lang="en-US" sz="3200" dirty="0" err="1"/>
+              <a:rPr lang="en-US" sz="3400" dirty="0"/>
+              <a:t>Abstract – This paper aims at addressing the challenges associated with open electrical grid models to advance load flow simulations required for the transition toward a sustainable energy system. This paper presents a Python-based open electrical grid model generator by using OpenStreetMap data as the input to increase the availability of open-source models for regional transmission networks. The method is based on the existing open electrical grid tool </a:t>
+            </a:r>
+            <a:r>
+              <a:rPr lang="en-US" sz="3400" dirty="0" err="1"/>
               <a:t>osmTGmod</a:t>
             </a:r>
             <a:r>
-              <a:rPr lang="en-US" sz="3200" dirty="0"/>
-              <a:t> and consists of two main steps presented in detail. First of all, a new state-of-the-art OpenStreetMap filter is researched and implemented. It converts Open Street Map data to CSV data categorized by the corresponding object classes. Following this, missing data is populated by a Python Script depending on different heuristics. The software and packages are presented and one example of a regional transmission network is described to provide insight into the method.</a:t>
-            </a:r>
+              <a:rPr lang="en-US" sz="3400" dirty="0"/>
+              <a:t> and consists of two main steps presented in detail. First of all, a new state-of-the-art OpenStreetMap filter is researched and implemented. It converts Open Street Map data to CSV data categorized by the corresponding object classes. Following this, missing data is populated by a Python Script depending on different heuristics. The software and packages are presented, and one example of a regional transmission network is described to provide insight into the method.</a:t>
+            </a:r>
+            <a:endParaRPr lang="de-DE" sz="3400" dirty="0"/>
+          </a:p>
+          <a:p>
+            <a:pPr algn="just"/>
+            <a:endParaRPr lang="en-US" sz="3400" dirty="0"/>
           </a:p>
         </p:txBody>
       </p:sp>
@@ -8079,7 +8084,7 @@
         </p:nvSpPr>
         <p:spPr>
           <a:xfrm>
-            <a:off x="15842681" y="15050356"/>
+            <a:off x="15948518" y="21963390"/>
             <a:ext cx="13338017" cy="830997"/>
           </a:xfrm>
           <a:prstGeom prst="rect">
@@ -8095,11 +8100,7 @@
           <a:p>
             <a:r>
               <a:rPr lang="en-US" sz="4800" b="1" dirty="0"/>
-              <a:t>1. </a:t>
-            </a:r>
-            <a:r>
-              <a:rPr lang="en-US" sz="4800" b="1" dirty="0" err="1"/>
-              <a:t>Tabelle</a:t>
+              <a:t>Table 1: Adapting tables of power objects </a:t>
             </a:r>
             <a:endParaRPr lang="en-US" sz="4000" b="1" dirty="0"/>
           </a:p>
@@ -8113,7 +8114,7 @@
         </p:nvCxnSpPr>
         <p:spPr>
           <a:xfrm flipV="1">
-            <a:off x="-63668" y="8261109"/>
+            <a:off x="1" y="8433953"/>
             <a:ext cx="14493087" cy="31159"/>
           </a:xfrm>
           <a:prstGeom prst="line">
@@ -8144,7 +8145,7 @@
         </p:nvCxnSpPr>
         <p:spPr>
           <a:xfrm>
-            <a:off x="15837008" y="22633465"/>
+            <a:off x="15543377" y="32395796"/>
             <a:ext cx="14468513" cy="0"/>
           </a:xfrm>
           <a:prstGeom prst="line">
@@ -8179,7 +8180,7 @@
         </p:nvCxnSpPr>
         <p:spPr>
           <a:xfrm>
-            <a:off x="-63668" y="21802468"/>
+            <a:off x="0" y="32926271"/>
             <a:ext cx="14396625" cy="0"/>
           </a:xfrm>
           <a:prstGeom prst="line">
@@ -8214,7 +8215,7 @@
         </p:nvSpPr>
         <p:spPr>
           <a:xfrm>
-            <a:off x="15746219" y="8254998"/>
+            <a:off x="15948518" y="15687451"/>
             <a:ext cx="13992149" cy="830997"/>
           </a:xfrm>
           <a:prstGeom prst="rect">
@@ -8244,7 +8245,7 @@
         </p:nvCxnSpPr>
         <p:spPr>
           <a:xfrm>
-            <a:off x="15842681" y="8261107"/>
+            <a:off x="15459215" y="15327049"/>
             <a:ext cx="14459520" cy="31161"/>
           </a:xfrm>
           <a:prstGeom prst="line">
@@ -8355,7 +8356,7 @@
         </p:nvSpPr>
         <p:spPr>
           <a:xfrm>
-            <a:off x="24667171" y="23014792"/>
+            <a:off x="24373540" y="32777123"/>
             <a:ext cx="5228627" cy="1969770"/>
           </a:xfrm>
           <a:prstGeom prst="rect">
@@ -8432,7 +8433,7 @@
         </p:nvCxnSpPr>
         <p:spPr>
           <a:xfrm>
-            <a:off x="217306" y="30525111"/>
+            <a:off x="15812545" y="9290658"/>
             <a:ext cx="14429419" cy="31857"/>
           </a:xfrm>
           <a:prstGeom prst="line">
@@ -8480,11 +8481,7 @@
             <a:pPr algn="just"/>
             <a:r>
               <a:rPr lang="en-US" sz="4800" b="1" dirty="0"/>
-              <a:t>4. </a:t>
-            </a:r>
-            <a:r>
-              <a:rPr lang="en-US" sz="4800" b="1"/>
-              <a:t>Conclusions</a:t>
+              <a:t>4. Conclusions</a:t>
             </a:r>
             <a:endParaRPr lang="en-US" sz="4000" b="1" dirty="0"/>
           </a:p>
@@ -8634,7 +8631,7 @@
         </p:nvGrpSpPr>
         <p:grpSpPr>
           <a:xfrm>
-            <a:off x="1" y="4302125"/>
+            <a:off x="1" y="4190158"/>
             <a:ext cx="30299354" cy="384175"/>
             <a:chOff x="903819" y="0"/>
             <a:chExt cx="8244000" cy="108000"/>
@@ -8978,7 +8975,7 @@
         </p:nvSpPr>
         <p:spPr>
           <a:xfrm>
-            <a:off x="1085498" y="21004352"/>
+            <a:off x="1310514" y="32052604"/>
             <a:ext cx="11775596" cy="830997"/>
           </a:xfrm>
           <a:prstGeom prst="rect">
@@ -9002,103 +8999,13 @@
       </p:sp>
       <p:sp>
         <p:nvSpPr>
-          <p:cNvPr id="123" name="Textfeld 122"/>
-          <p:cNvSpPr txBox="1"/>
-          <p:nvPr/>
-        </p:nvSpPr>
-        <p:spPr>
-          <a:xfrm>
-            <a:off x="1151321" y="21972912"/>
-            <a:ext cx="13206660" cy="7417415"/>
-          </a:xfrm>
-          <a:prstGeom prst="rect">
-            <a:avLst/>
-          </a:prstGeom>
-          <a:noFill/>
-        </p:spPr>
-        <p:txBody>
-          <a:bodyPr wrap="square" rtlCol="0">
-            <a:spAutoFit/>
-          </a:bodyPr>
-          <a:lstStyle/>
-          <a:p>
-            <a:pPr marL="457200" indent="-457200" algn="just">
-              <a:buFont typeface="Arial" panose="020B0604020202020204" pitchFamily="34" charset="0"/>
-              <a:buChar char="•"/>
-            </a:pPr>
-            <a:r>
-              <a:rPr lang="en-US" sz="3400" dirty="0"/>
-              <a:t>The OSM data includes all data of the selected region. Hence the data must be filtered to sort out unnecessary objects like streets and bus lines. For that three Iterations are used:</a:t>
-            </a:r>
-          </a:p>
-          <a:p>
-            <a:pPr marL="457200" indent="-457200" algn="just">
-              <a:buFont typeface="Arial" panose="020B0604020202020204" pitchFamily="34" charset="0"/>
-              <a:buChar char="•"/>
-            </a:pPr>
-            <a:r>
-              <a:rPr lang="en-US" sz="3400" dirty="0"/>
-              <a:t>1. Objects of the class Relation with the value “power” for the tag “route” are saved as a Python tuple object.</a:t>
-            </a:r>
-          </a:p>
-          <a:p>
-            <a:pPr marL="457200" indent="-457200" algn="just">
-              <a:buFont typeface="Arial" panose="020B0604020202020204" pitchFamily="34" charset="0"/>
-              <a:buChar char="•"/>
-            </a:pPr>
-            <a:r>
-              <a:rPr lang="en-US" sz="3400" dirty="0"/>
-              <a:t>2. Objects of the class Ways with the tag “power” or if the Way object can be found in the before saved list of Relations. Also, all Nodes listed in this Way object are saved.</a:t>
-            </a:r>
-          </a:p>
-          <a:p>
-            <a:pPr marL="457200" indent="-457200" algn="just">
-              <a:buFont typeface="Arial" panose="020B0604020202020204" pitchFamily="34" charset="0"/>
-              <a:buChar char="•"/>
-            </a:pPr>
-            <a:r>
-              <a:rPr lang="en-US" sz="3400" dirty="0"/>
-              <a:t>3. Objects of the class Nodes are considered. </a:t>
-            </a:r>
-            <a:r>
-              <a:rPr lang="en-GB" sz="3400" dirty="0"/>
-              <a:t>Here, only the Nodes are needed, that are part of the Node tuple created in the second iteration. </a:t>
-            </a:r>
-          </a:p>
-          <a:p>
-            <a:pPr marL="457200" indent="-457200" algn="just">
-              <a:buFont typeface="Arial" panose="020B0604020202020204" pitchFamily="34" charset="0"/>
-              <a:buChar char="•"/>
-            </a:pPr>
-            <a:r>
-              <a:rPr lang="en-GB" sz="3400" dirty="0"/>
-              <a:t>These results are converted to a Pandas </a:t>
-            </a:r>
-            <a:r>
-              <a:rPr lang="en-GB" sz="3400" dirty="0" err="1"/>
-              <a:t>DataFrame</a:t>
-            </a:r>
-            <a:r>
-              <a:rPr lang="en-GB" sz="3400" dirty="0"/>
-              <a:t> and stored in a separate CSV-File for each Object.</a:t>
-            </a:r>
-            <a:endParaRPr lang="en-US" sz="3400" dirty="0"/>
-          </a:p>
-          <a:p>
-            <a:pPr algn="just"/>
-            <a:endParaRPr lang="en-US" sz="3400" dirty="0"/>
-          </a:p>
-        </p:txBody>
-      </p:sp>
-      <p:sp>
-        <p:nvSpPr>
           <p:cNvPr id="146" name="Textfeld 145"/>
           <p:cNvSpPr txBox="1"/>
           <p:nvPr/>
         </p:nvSpPr>
         <p:spPr>
           <a:xfrm>
-            <a:off x="15903651" y="21802468"/>
+            <a:off x="15610020" y="31564799"/>
             <a:ext cx="14420482" cy="830997"/>
           </a:xfrm>
           <a:prstGeom prst="rect">
@@ -9128,7 +9035,7 @@
         </p:nvSpPr>
         <p:spPr>
           <a:xfrm>
-            <a:off x="1368627" y="29694113"/>
+            <a:off x="16512045" y="8434710"/>
             <a:ext cx="8953092" cy="830997"/>
           </a:xfrm>
           <a:prstGeom prst="rect">
@@ -9150,71 +9057,6 @@
           </a:p>
         </p:txBody>
       </p:sp>
-      <p:cxnSp>
-        <p:nvCxnSpPr>
-          <p:cNvPr id="156" name="Gerade Verbindung 155"/>
-          <p:cNvCxnSpPr/>
-          <p:nvPr/>
-        </p:nvCxnSpPr>
-        <p:spPr>
-          <a:xfrm>
-            <a:off x="15842681" y="30668637"/>
-            <a:ext cx="14402370" cy="0"/>
-          </a:xfrm>
-          <a:prstGeom prst="line">
-            <a:avLst/>
-          </a:prstGeom>
-          <a:ln w="57150">
-            <a:solidFill>
-              <a:schemeClr val="accent3"/>
-            </a:solidFill>
-          </a:ln>
-        </p:spPr>
-        <p:style>
-          <a:lnRef idx="2">
-            <a:schemeClr val="accent1"/>
-          </a:lnRef>
-          <a:fillRef idx="0">
-            <a:schemeClr val="accent1"/>
-          </a:fillRef>
-          <a:effectRef idx="1">
-            <a:schemeClr val="accent1"/>
-          </a:effectRef>
-          <a:fontRef idx="minor">
-            <a:schemeClr val="tx1"/>
-          </a:fontRef>
-        </p:style>
-      </p:cxnSp>
-      <p:sp>
-        <p:nvSpPr>
-          <p:cNvPr id="157" name="Textfeld 156"/>
-          <p:cNvSpPr txBox="1"/>
-          <p:nvPr/>
-        </p:nvSpPr>
-        <p:spPr>
-          <a:xfrm>
-            <a:off x="15955900" y="29694113"/>
-            <a:ext cx="4365298" cy="830997"/>
-          </a:xfrm>
-          <a:prstGeom prst="rect">
-            <a:avLst/>
-          </a:prstGeom>
-          <a:noFill/>
-        </p:spPr>
-        <p:txBody>
-          <a:bodyPr wrap="none" rtlCol="0">
-            <a:spAutoFit/>
-          </a:bodyPr>
-          <a:lstStyle/>
-          <a:p>
-            <a:r>
-              <a:rPr lang="en-US" sz="4800" b="1" dirty="0"/>
-              <a:t>Scenario 3: xx</a:t>
-            </a:r>
-            <a:endParaRPr lang="en-US" sz="4000" b="1" dirty="0"/>
-          </a:p>
-        </p:txBody>
-      </p:sp>
       <p:sp>
         <p:nvSpPr>
           <p:cNvPr id="164" name="Textfeld 163"/>
@@ -9223,7 +9065,7 @@
         </p:nvSpPr>
         <p:spPr>
           <a:xfrm>
-            <a:off x="15746219" y="9596992"/>
+            <a:off x="15487790" y="16800375"/>
             <a:ext cx="13946164" cy="3600986"/>
           </a:xfrm>
           <a:prstGeom prst="rect">
@@ -9253,7 +9095,7 @@
             </a:pPr>
             <a:r>
               <a:rPr lang="en-GB" sz="3400" dirty="0"/>
-              <a:t>If a line has the same start- or endpoint and the voltage is the same it is considered as a neighbour.</a:t>
+              <a:t>If a line has the same start- or endpoint and the voltage is the same, it is considered as a neighbour.</a:t>
             </a:r>
           </a:p>
           <a:p>
@@ -9287,7 +9129,7 @@
         </p:nvSpPr>
         <p:spPr>
           <a:xfrm>
-            <a:off x="1240823" y="31225786"/>
+            <a:off x="16384241" y="9768869"/>
             <a:ext cx="13309440" cy="5786199"/>
           </a:xfrm>
           <a:prstGeom prst="rect">
@@ -9339,7 +9181,7 @@
               <a:rPr lang="en-GB" sz="3400" spc="-5" dirty="0">
                 <a:ea typeface="MS Mincho"/>
               </a:rPr>
-              <a:t> and partly split it up. For example the ways Table is separated in substations and lines/cables. </a:t>
+              <a:t> and partly split it up. For example, the ways Table is separated in substations and lines/cables. </a:t>
             </a:r>
           </a:p>
           <a:p>
@@ -9380,55 +9222,6 @@
             <a:endParaRPr lang="en-GB" sz="3400" spc="-5" dirty="0">
               <a:ea typeface="MS Mincho"/>
             </a:endParaRPr>
-          </a:p>
-        </p:txBody>
-      </p:sp>
-      <p:sp>
-        <p:nvSpPr>
-          <p:cNvPr id="169" name="Textfeld 168"/>
-          <p:cNvSpPr txBox="1"/>
-          <p:nvPr/>
-        </p:nvSpPr>
-        <p:spPr>
-          <a:xfrm>
-            <a:off x="15871256" y="30872404"/>
-            <a:ext cx="13292690" cy="1292662"/>
-          </a:xfrm>
-          <a:prstGeom prst="rect">
-            <a:avLst/>
-          </a:prstGeom>
-          <a:noFill/>
-        </p:spPr>
-        <p:txBody>
-          <a:bodyPr wrap="square" rtlCol="0">
-            <a:spAutoFit/>
-          </a:bodyPr>
-          <a:lstStyle/>
-          <a:p>
-            <a:pPr marL="457200" indent="-457200" algn="just">
-              <a:spcAft>
-                <a:spcPts val="1200"/>
-              </a:spcAft>
-              <a:buFont typeface="Arial" panose="020B0604020202020204" pitchFamily="34" charset="0"/>
-              <a:buChar char="•"/>
-            </a:pPr>
-            <a:r>
-              <a:rPr lang="en-US" sz="3400" dirty="0"/>
-              <a:t>Text</a:t>
-            </a:r>
-          </a:p>
-          <a:p>
-            <a:pPr marL="457200" indent="-457200" algn="just">
-              <a:spcAft>
-                <a:spcPts val="1200"/>
-              </a:spcAft>
-              <a:buFont typeface="Arial" panose="020B0604020202020204" pitchFamily="34" charset="0"/>
-              <a:buChar char="•"/>
-            </a:pPr>
-            <a:r>
-              <a:rPr lang="en-US" sz="3400" dirty="0"/>
-              <a:t>text</a:t>
-            </a:r>
           </a:p>
         </p:txBody>
       </p:sp>
@@ -9588,7 +9381,7 @@
         </p:nvSpPr>
         <p:spPr>
           <a:xfrm>
-            <a:off x="15955900" y="23581895"/>
+            <a:off x="15662269" y="33344226"/>
             <a:ext cx="4666226" cy="584775"/>
           </a:xfrm>
           <a:prstGeom prst="rect">
@@ -9664,8 +9457,8 @@
         </p:nvSpPr>
         <p:spPr>
           <a:xfrm>
-            <a:off x="1078017" y="9734433"/>
-            <a:ext cx="13338017" cy="7971413"/>
+            <a:off x="1078017" y="9541911"/>
+            <a:ext cx="13338017" cy="8987076"/>
           </a:xfrm>
           <a:prstGeom prst="rect">
             <a:avLst/>
@@ -9678,36 +9471,32 @@
           </a:bodyPr>
           <a:lstStyle/>
           <a:p>
-            <a:pPr algn="just"/>
-            <a:r>
-              <a:rPr lang="en-US" sz="3200" dirty="0"/>
+            <a:pPr indent="355600" algn="just"/>
+            <a:r>
+              <a:rPr lang="en-US" sz="3400" dirty="0"/>
               <a:t>As decentralization of generation of electricity is going forward as sustainable energy is in focus more than ever, more electrical grid models are needed, e.g. to simulate power flow. Countries of the global south and especially Africa could gain much from this transition and models, which brings the need of public, open-source models being available. This project makes a step forward contributing to this issue by using OSM data and Python as a programming language to develop an existing open grid model for the German transmission network into an open tool for creating electrical grid models.</a:t>
             </a:r>
           </a:p>
           <a:p>
-            <a:pPr algn="just"/>
-            <a:endParaRPr lang="en-US" sz="3200" dirty="0"/>
-          </a:p>
-          <a:p>
-            <a:pPr algn="just"/>
-            <a:r>
-              <a:rPr lang="en-US" sz="3200" dirty="0"/>
+            <a:pPr indent="355600" algn="just"/>
+            <a:r>
+              <a:rPr lang="en-US" sz="3400" dirty="0"/>
               <a:t>Existing German model: The existing German model “</a:t>
             </a:r>
             <a:r>
-              <a:rPr lang="en-US" sz="3200" dirty="0" err="1"/>
+              <a:rPr lang="en-US" sz="3400" dirty="0" err="1"/>
               <a:t>osmTGmod</a:t>
             </a:r>
             <a:r>
-              <a:rPr lang="en-US" sz="3200" dirty="0"/>
+              <a:rPr lang="en-US" sz="3400" dirty="0"/>
               <a:t>” uses several programming languages SQL, PostgreSQL and pl/</a:t>
             </a:r>
             <a:r>
-              <a:rPr lang="en-US" sz="3200" dirty="0" err="1"/>
+              <a:rPr lang="en-US" sz="3400" dirty="0" err="1"/>
               <a:t>pgSQL</a:t>
             </a:r>
             <a:r>
-              <a:rPr lang="en-US" sz="3200" dirty="0"/>
+              <a:rPr lang="en-US" sz="3400" dirty="0"/>
               <a:t>, Python as well as software and databases, which are no longer state-of-the-art and increase computing time. Therefore, in this project, there is a state-of-the-art approach with the programming language Python, which allows the reduction of the software and computing time needed.</a:t>
             </a:r>
           </a:p>
@@ -9735,7 +9524,7 @@
         </p:blipFill>
         <p:spPr>
           <a:xfrm>
-            <a:off x="17921274" y="16136241"/>
+            <a:off x="17558007" y="23125534"/>
             <a:ext cx="9180830" cy="4348815"/>
           </a:xfrm>
           <a:prstGeom prst="rect">
@@ -9743,6 +9532,1080 @@
           </a:prstGeom>
         </p:spPr>
       </p:pic>
+      <p:cxnSp>
+        <p:nvCxnSpPr>
+          <p:cNvPr id="4" name="Gerade Verbindung 37">
+            <a:extLst>
+              <a:ext uri="{FF2B5EF4-FFF2-40B4-BE49-F238E27FC236}">
+                <a16:creationId xmlns:a16="http://schemas.microsoft.com/office/drawing/2014/main" id="{95EB6FF5-B5EE-99C1-FE25-1CC9DF8D24F1}"/>
+              </a:ext>
+            </a:extLst>
+          </p:cNvPr>
+          <p:cNvCxnSpPr/>
+          <p:nvPr/>
+        </p:nvCxnSpPr>
+        <p:spPr>
+          <a:xfrm>
+            <a:off x="0" y="19496764"/>
+            <a:ext cx="14396625" cy="0"/>
+          </a:xfrm>
+          <a:prstGeom prst="line">
+            <a:avLst/>
+          </a:prstGeom>
+          <a:ln w="57150">
+            <a:solidFill>
+              <a:schemeClr val="accent3"/>
+            </a:solidFill>
+          </a:ln>
+        </p:spPr>
+        <p:style>
+          <a:lnRef idx="2">
+            <a:schemeClr val="accent1"/>
+          </a:lnRef>
+          <a:fillRef idx="0">
+            <a:schemeClr val="accent1"/>
+          </a:fillRef>
+          <a:effectRef idx="1">
+            <a:schemeClr val="accent1"/>
+          </a:effectRef>
+          <a:fontRef idx="minor">
+            <a:schemeClr val="tx1"/>
+          </a:fontRef>
+        </p:style>
+      </p:cxnSp>
+      <p:sp>
+        <p:nvSpPr>
+          <p:cNvPr id="7" name="Textfeld 6">
+            <a:extLst>
+              <a:ext uri="{FF2B5EF4-FFF2-40B4-BE49-F238E27FC236}">
+                <a16:creationId xmlns:a16="http://schemas.microsoft.com/office/drawing/2014/main" id="{CD481628-C308-4DAC-4E10-230EA0948899}"/>
+              </a:ext>
+            </a:extLst>
+          </p:cNvPr>
+          <p:cNvSpPr txBox="1"/>
+          <p:nvPr/>
+        </p:nvSpPr>
+        <p:spPr>
+          <a:xfrm>
+            <a:off x="1310514" y="18623097"/>
+            <a:ext cx="7409401" cy="830997"/>
+          </a:xfrm>
+          <a:prstGeom prst="rect">
+            <a:avLst/>
+          </a:prstGeom>
+          <a:noFill/>
+        </p:spPr>
+        <p:txBody>
+          <a:bodyPr wrap="none" rtlCol="0">
+            <a:spAutoFit/>
+          </a:bodyPr>
+          <a:lstStyle/>
+          <a:p>
+            <a:r>
+              <a:rPr lang="en-US" sz="4800" b="1" dirty="0"/>
+              <a:t>1. OpenStreetMap (OSM)</a:t>
+            </a:r>
+            <a:endParaRPr lang="en-US" sz="4000" b="1" dirty="0"/>
+          </a:p>
+        </p:txBody>
+      </p:sp>
+      <p:sp>
+        <p:nvSpPr>
+          <p:cNvPr id="8" name="Textfeld 7">
+            <a:extLst>
+              <a:ext uri="{FF2B5EF4-FFF2-40B4-BE49-F238E27FC236}">
+                <a16:creationId xmlns:a16="http://schemas.microsoft.com/office/drawing/2014/main" id="{EF702935-3A9C-6FEC-BB2A-8BBBF2F6179F}"/>
+              </a:ext>
+            </a:extLst>
+          </p:cNvPr>
+          <p:cNvSpPr txBox="1"/>
+          <p:nvPr/>
+        </p:nvSpPr>
+        <p:spPr>
+          <a:xfrm>
+            <a:off x="1367389" y="33249115"/>
+            <a:ext cx="13206660" cy="7940635"/>
+          </a:xfrm>
+          <a:prstGeom prst="rect">
+            <a:avLst/>
+          </a:prstGeom>
+          <a:noFill/>
+        </p:spPr>
+        <p:txBody>
+          <a:bodyPr wrap="square" rtlCol="0">
+            <a:spAutoFit/>
+          </a:bodyPr>
+          <a:lstStyle/>
+          <a:p>
+            <a:pPr marL="457200" indent="-457200" algn="just">
+              <a:buFont typeface="Arial" panose="020B0604020202020204" pitchFamily="34" charset="0"/>
+              <a:buChar char="•"/>
+            </a:pPr>
+            <a:r>
+              <a:rPr lang="en-US" sz="3400" dirty="0"/>
+              <a:t>The OSM data includes all data of the selected region. Hence the data must be filtered to sort out unnecessary objects like streets and bus lines. For that three Iterations are used:</a:t>
+            </a:r>
+          </a:p>
+          <a:p>
+            <a:pPr marL="457200" indent="-457200" algn="just">
+              <a:buFont typeface="Arial" panose="020B0604020202020204" pitchFamily="34" charset="0"/>
+              <a:buChar char="•"/>
+            </a:pPr>
+            <a:r>
+              <a:rPr lang="en-US" sz="3400" dirty="0"/>
+              <a:t>1. Objects of the class Relation with the value “power” for the tag “route” are saved as a Python tuple object.</a:t>
+            </a:r>
+          </a:p>
+          <a:p>
+            <a:pPr marL="457200" indent="-457200" algn="just">
+              <a:buFont typeface="Arial" panose="020B0604020202020204" pitchFamily="34" charset="0"/>
+              <a:buChar char="•"/>
+            </a:pPr>
+            <a:r>
+              <a:rPr lang="en-US" sz="3400" dirty="0"/>
+              <a:t>2. Objects of the class Ways with the tag “power” or if the Way object can be found in the before saved list of Relations. Also, all Nodes listed in this Way object are saved.</a:t>
+            </a:r>
+          </a:p>
+          <a:p>
+            <a:pPr marL="457200" indent="-457200" algn="just">
+              <a:buFont typeface="Arial" panose="020B0604020202020204" pitchFamily="34" charset="0"/>
+              <a:buChar char="•"/>
+            </a:pPr>
+            <a:r>
+              <a:rPr lang="en-US" sz="3400" spc="-5" dirty="0">
+                <a:ea typeface="MS Mincho"/>
+              </a:rPr>
+              <a:t>3. Objects of the class Nodes are considered. </a:t>
+            </a:r>
+            <a:r>
+              <a:rPr lang="en-GB" sz="3400" spc="-5" dirty="0">
+                <a:ea typeface="MS Mincho"/>
+              </a:rPr>
+              <a:t>Here, only the Nodes are needed, that are part of the Node tuple created in the second iteration. </a:t>
+            </a:r>
+          </a:p>
+          <a:p>
+            <a:pPr marL="457200" indent="-457200" algn="just">
+              <a:buFont typeface="Arial" panose="020B0604020202020204" pitchFamily="34" charset="0"/>
+              <a:buChar char="•"/>
+            </a:pPr>
+            <a:r>
+              <a:rPr lang="en-GB" sz="3400" spc="-5" dirty="0">
+                <a:ea typeface="MS Mincho"/>
+              </a:rPr>
+              <a:t>These results are converted to a Pandas </a:t>
+            </a:r>
+            <a:r>
+              <a:rPr lang="en-GB" sz="3400" spc="-5" dirty="0" err="1">
+                <a:ea typeface="MS Mincho"/>
+              </a:rPr>
+              <a:t>DataFrame</a:t>
+            </a:r>
+            <a:r>
+              <a:rPr lang="en-GB" sz="3400" spc="-5" dirty="0">
+                <a:ea typeface="MS Mincho"/>
+              </a:rPr>
+              <a:t> and stored in a separate CSV-File for each Object.</a:t>
+            </a:r>
+            <a:endParaRPr lang="en-US" sz="3400" spc="-5" dirty="0">
+              <a:ea typeface="MS Mincho"/>
+            </a:endParaRPr>
+          </a:p>
+          <a:p>
+            <a:pPr marL="457200" indent="-457200" algn="just">
+              <a:buFont typeface="Arial" panose="020B0604020202020204" pitchFamily="34" charset="0"/>
+              <a:buChar char="•"/>
+            </a:pPr>
+            <a:endParaRPr lang="en-US" sz="3400" dirty="0"/>
+          </a:p>
+          <a:p>
+            <a:pPr algn="just"/>
+            <a:endParaRPr lang="en-US" sz="3400" dirty="0"/>
+          </a:p>
+        </p:txBody>
+      </p:sp>
+      <p:sp>
+        <p:nvSpPr>
+          <p:cNvPr id="9" name="Textfeld 8">
+            <a:extLst>
+              <a:ext uri="{FF2B5EF4-FFF2-40B4-BE49-F238E27FC236}">
+                <a16:creationId xmlns:a16="http://schemas.microsoft.com/office/drawing/2014/main" id="{72E06EEE-BB3F-1CFD-A2F4-A11BAFA5F056}"/>
+              </a:ext>
+            </a:extLst>
+          </p:cNvPr>
+          <p:cNvSpPr txBox="1"/>
+          <p:nvPr/>
+        </p:nvSpPr>
+        <p:spPr>
+          <a:xfrm>
+            <a:off x="1078016" y="19819608"/>
+            <a:ext cx="13415071" cy="5324535"/>
+          </a:xfrm>
+          <a:prstGeom prst="rect">
+            <a:avLst/>
+          </a:prstGeom>
+          <a:noFill/>
+        </p:spPr>
+        <p:txBody>
+          <a:bodyPr wrap="square" rtlCol="0">
+            <a:spAutoFit/>
+          </a:bodyPr>
+          <a:lstStyle/>
+          <a:p>
+            <a:pPr algn="just"/>
+            <a:r>
+              <a:rPr lang="de-DE" sz="3400" dirty="0"/>
+              <a:t>OSM </a:t>
+            </a:r>
+            <a:r>
+              <a:rPr lang="de-DE" sz="3400" dirty="0" err="1"/>
+              <a:t>is</a:t>
+            </a:r>
+            <a:r>
+              <a:rPr lang="de-DE" sz="3400" dirty="0"/>
+              <a:t> </a:t>
+            </a:r>
+            <a:r>
+              <a:rPr lang="de-DE" sz="3400" dirty="0" err="1"/>
+              <a:t>the</a:t>
+            </a:r>
+            <a:r>
+              <a:rPr lang="de-DE" sz="3400" dirty="0"/>
+              <a:t> </a:t>
+            </a:r>
+            <a:r>
+              <a:rPr lang="de-DE" sz="3400" dirty="0" err="1"/>
+              <a:t>biggest</a:t>
+            </a:r>
+            <a:r>
+              <a:rPr lang="de-DE" sz="3400" dirty="0"/>
+              <a:t> open-source </a:t>
+            </a:r>
+            <a:r>
+              <a:rPr lang="de-DE" sz="3400" dirty="0" err="1"/>
+              <a:t>geodatabase</a:t>
+            </a:r>
+            <a:r>
+              <a:rPr lang="de-DE" sz="3400" dirty="0"/>
+              <a:t> </a:t>
+            </a:r>
+            <a:r>
+              <a:rPr lang="de-DE" sz="3400" dirty="0" err="1"/>
+              <a:t>worldwide</a:t>
+            </a:r>
+            <a:r>
+              <a:rPr lang="de-DE" sz="3400" dirty="0"/>
+              <a:t>, </a:t>
+            </a:r>
+            <a:r>
+              <a:rPr lang="de-DE" sz="3400" dirty="0" err="1"/>
+              <a:t>where</a:t>
+            </a:r>
+            <a:r>
+              <a:rPr lang="de-DE" sz="3400" dirty="0"/>
+              <a:t> </a:t>
+            </a:r>
+            <a:r>
+              <a:rPr lang="de-DE" sz="3400" dirty="0" err="1"/>
+              <a:t>everyone</a:t>
+            </a:r>
+            <a:r>
+              <a:rPr lang="de-DE" sz="3400" dirty="0"/>
+              <a:t> </a:t>
+            </a:r>
+            <a:r>
+              <a:rPr lang="de-DE" sz="3400" dirty="0" err="1"/>
+              <a:t>can</a:t>
+            </a:r>
+            <a:r>
+              <a:rPr lang="de-DE" sz="3400" dirty="0"/>
+              <a:t> </a:t>
+            </a:r>
+            <a:r>
+              <a:rPr lang="de-DE" sz="3400" dirty="0" err="1"/>
+              <a:t>contribute</a:t>
+            </a:r>
+            <a:r>
+              <a:rPr lang="de-DE" sz="3400" dirty="0"/>
+              <a:t> </a:t>
+            </a:r>
+            <a:r>
+              <a:rPr lang="de-DE" sz="3400" dirty="0" err="1"/>
+              <a:t>with</a:t>
+            </a:r>
+            <a:r>
+              <a:rPr lang="de-DE" sz="3400" dirty="0"/>
+              <a:t> </a:t>
+            </a:r>
+            <a:r>
+              <a:rPr lang="de-DE" sz="3400" dirty="0" err="1"/>
+              <a:t>their</a:t>
+            </a:r>
+            <a:r>
+              <a:rPr lang="de-DE" sz="3400" dirty="0"/>
+              <a:t> </a:t>
+            </a:r>
+            <a:r>
+              <a:rPr lang="de-DE" sz="3400" dirty="0" err="1"/>
+              <a:t>input</a:t>
+            </a:r>
+            <a:r>
+              <a:rPr lang="de-DE" sz="3400" dirty="0"/>
+              <a:t> </a:t>
+            </a:r>
+            <a:r>
+              <a:rPr lang="de-DE" sz="3400" dirty="0" err="1"/>
+              <a:t>by</a:t>
+            </a:r>
+            <a:r>
+              <a:rPr lang="de-DE" sz="3400" dirty="0"/>
+              <a:t> </a:t>
+            </a:r>
+            <a:r>
+              <a:rPr lang="de-DE" sz="3400" dirty="0" err="1"/>
+              <a:t>adding</a:t>
+            </a:r>
+            <a:r>
+              <a:rPr lang="de-DE" sz="3400" dirty="0"/>
+              <a:t> </a:t>
+            </a:r>
+            <a:r>
+              <a:rPr lang="de-DE" sz="3400" dirty="0" err="1"/>
+              <a:t>or</a:t>
+            </a:r>
+            <a:r>
+              <a:rPr lang="de-DE" sz="3400" dirty="0"/>
+              <a:t> </a:t>
+            </a:r>
+            <a:r>
+              <a:rPr lang="de-DE" sz="3400" dirty="0" err="1"/>
+              <a:t>adapting</a:t>
+            </a:r>
+            <a:r>
+              <a:rPr lang="de-DE" sz="3400" dirty="0"/>
+              <a:t> </a:t>
+            </a:r>
+            <a:r>
+              <a:rPr lang="de-DE" sz="3400" dirty="0" err="1"/>
+              <a:t>information</a:t>
+            </a:r>
+            <a:r>
+              <a:rPr lang="de-DE" sz="3400" dirty="0"/>
+              <a:t>.</a:t>
+            </a:r>
+          </a:p>
+          <a:p>
+            <a:pPr algn="just"/>
+            <a:endParaRPr lang="de-DE" sz="3400" dirty="0"/>
+          </a:p>
+          <a:p>
+            <a:pPr algn="just"/>
+            <a:r>
+              <a:rPr lang="de-DE" sz="3400" dirty="0"/>
+              <a:t>As </a:t>
+            </a:r>
+            <a:r>
+              <a:rPr lang="de-DE" sz="3400" dirty="0" err="1"/>
+              <a:t>it</a:t>
+            </a:r>
+            <a:r>
+              <a:rPr lang="de-DE" sz="3400" dirty="0"/>
+              <a:t> </a:t>
+            </a:r>
+            <a:r>
+              <a:rPr lang="de-DE" sz="3400" dirty="0" err="1"/>
+              <a:t>is</a:t>
+            </a:r>
+            <a:r>
+              <a:rPr lang="de-DE" sz="3400" dirty="0"/>
+              <a:t> </a:t>
+            </a:r>
+            <a:r>
+              <a:rPr lang="de-DE" sz="3400" dirty="0" err="1"/>
+              <a:t>showed</a:t>
+            </a:r>
+            <a:r>
+              <a:rPr lang="de-DE" sz="3400" dirty="0"/>
+              <a:t> in Figure 1,  </a:t>
+            </a:r>
+            <a:r>
+              <a:rPr lang="de-DE" sz="3400" dirty="0" err="1"/>
+              <a:t>the</a:t>
+            </a:r>
+            <a:r>
+              <a:rPr lang="de-DE" sz="3400" dirty="0"/>
+              <a:t> </a:t>
+            </a:r>
+            <a:r>
+              <a:rPr lang="de-DE" sz="3400" dirty="0" err="1"/>
+              <a:t>main</a:t>
+            </a:r>
+            <a:r>
+              <a:rPr lang="de-DE" sz="3400" dirty="0"/>
+              <a:t> </a:t>
+            </a:r>
+            <a:r>
+              <a:rPr lang="de-DE" sz="3400" dirty="0" err="1"/>
+              <a:t>components</a:t>
+            </a:r>
+            <a:r>
+              <a:rPr lang="de-DE" sz="3400" dirty="0"/>
+              <a:t> </a:t>
+            </a:r>
+            <a:r>
+              <a:rPr lang="de-DE" sz="3400" dirty="0" err="1"/>
+              <a:t>of</a:t>
+            </a:r>
+            <a:r>
+              <a:rPr lang="de-DE" sz="3400" dirty="0"/>
+              <a:t> </a:t>
+            </a:r>
+            <a:r>
+              <a:rPr lang="de-DE" sz="3400" dirty="0" err="1"/>
+              <a:t>the</a:t>
+            </a:r>
+            <a:r>
+              <a:rPr lang="de-DE" sz="3400" dirty="0"/>
+              <a:t> OSM-Database </a:t>
+            </a:r>
+            <a:r>
+              <a:rPr lang="de-DE" sz="3400" dirty="0" err="1"/>
+              <a:t>are</a:t>
+            </a:r>
+            <a:endParaRPr lang="de-DE" sz="3400" dirty="0"/>
+          </a:p>
+          <a:p>
+            <a:pPr marL="714375" lvl="1" indent="-457200" algn="just">
+              <a:buFont typeface="Arial" panose="020B0604020202020204" pitchFamily="34" charset="0"/>
+              <a:buChar char="•"/>
+            </a:pPr>
+            <a:r>
+              <a:rPr lang="de-DE" sz="3400" dirty="0"/>
+              <a:t>Nodes, </a:t>
+            </a:r>
+            <a:r>
+              <a:rPr lang="de-DE" sz="3400" dirty="0" err="1"/>
+              <a:t>which</a:t>
+            </a:r>
+            <a:r>
+              <a:rPr lang="de-DE" sz="3400" dirty="0"/>
+              <a:t> </a:t>
+            </a:r>
+            <a:r>
+              <a:rPr lang="de-DE" sz="3400" dirty="0" err="1"/>
+              <a:t>are</a:t>
+            </a:r>
+            <a:r>
+              <a:rPr lang="de-DE" sz="3400" dirty="0"/>
+              <a:t> </a:t>
+            </a:r>
+            <a:r>
+              <a:rPr lang="de-DE" sz="3400" dirty="0" err="1"/>
+              <a:t>composed</a:t>
+            </a:r>
+            <a:r>
+              <a:rPr lang="de-DE" sz="3400" dirty="0"/>
+              <a:t> </a:t>
+            </a:r>
+            <a:r>
+              <a:rPr lang="de-DE" sz="3400" dirty="0" err="1"/>
+              <a:t>of</a:t>
+            </a:r>
+            <a:r>
+              <a:rPr lang="de-DE" sz="3400" dirty="0"/>
+              <a:t> a </a:t>
+            </a:r>
+            <a:r>
+              <a:rPr lang="de-DE" sz="3400" dirty="0" err="1"/>
+              <a:t>set</a:t>
+            </a:r>
+            <a:r>
+              <a:rPr lang="de-DE" sz="3400" dirty="0"/>
+              <a:t> </a:t>
+            </a:r>
+            <a:r>
+              <a:rPr lang="de-DE" sz="3400" dirty="0" err="1"/>
+              <a:t>of</a:t>
+            </a:r>
+            <a:r>
+              <a:rPr lang="de-DE" sz="3400" dirty="0"/>
+              <a:t> </a:t>
+            </a:r>
+            <a:r>
+              <a:rPr lang="de-DE" sz="3400" dirty="0" err="1"/>
+              <a:t>coordinates</a:t>
+            </a:r>
+            <a:r>
+              <a:rPr lang="de-DE" sz="3400" dirty="0"/>
+              <a:t>, </a:t>
+            </a:r>
+            <a:r>
+              <a:rPr lang="de-DE" sz="3400" dirty="0" err="1"/>
+              <a:t>represent</a:t>
+            </a:r>
+            <a:r>
+              <a:rPr lang="de-DE" sz="3400" dirty="0"/>
+              <a:t> </a:t>
+            </a:r>
+            <a:r>
+              <a:rPr lang="de-DE" sz="3400" dirty="0" err="1"/>
+              <a:t>point</a:t>
+            </a:r>
+            <a:r>
+              <a:rPr lang="de-DE" sz="3400" dirty="0"/>
+              <a:t> </a:t>
+            </a:r>
+            <a:r>
+              <a:rPr lang="de-DE" sz="3400" dirty="0" err="1"/>
+              <a:t>objects</a:t>
+            </a:r>
+            <a:r>
+              <a:rPr lang="de-DE" sz="3400" dirty="0"/>
+              <a:t>: in </a:t>
+            </a:r>
+            <a:r>
+              <a:rPr lang="de-DE" sz="3400" dirty="0" err="1"/>
+              <a:t>terms</a:t>
+            </a:r>
+            <a:r>
+              <a:rPr lang="de-DE" sz="3400" dirty="0"/>
+              <a:t> </a:t>
+            </a:r>
+            <a:r>
+              <a:rPr lang="de-DE" sz="3400" dirty="0" err="1"/>
+              <a:t>of</a:t>
+            </a:r>
+            <a:r>
+              <a:rPr lang="de-DE" sz="3400" dirty="0"/>
+              <a:t> </a:t>
+            </a:r>
+            <a:r>
+              <a:rPr lang="de-DE" sz="3400" dirty="0" err="1"/>
+              <a:t>the</a:t>
+            </a:r>
+            <a:r>
+              <a:rPr lang="de-DE" sz="3400" dirty="0"/>
+              <a:t> </a:t>
+            </a:r>
+            <a:r>
+              <a:rPr lang="de-DE" sz="3400" dirty="0" err="1"/>
+              <a:t>electrical</a:t>
+            </a:r>
+            <a:r>
+              <a:rPr lang="de-DE" sz="3400" dirty="0"/>
+              <a:t> </a:t>
+            </a:r>
+            <a:r>
+              <a:rPr lang="de-DE" sz="3400" dirty="0" err="1"/>
+              <a:t>grid</a:t>
+            </a:r>
+            <a:r>
+              <a:rPr lang="de-DE" sz="3400" dirty="0"/>
+              <a:t>, power </a:t>
+            </a:r>
+            <a:r>
+              <a:rPr lang="de-DE" sz="3400" dirty="0" err="1"/>
+              <a:t>poles</a:t>
+            </a:r>
+            <a:r>
+              <a:rPr lang="de-DE" sz="3400" dirty="0"/>
+              <a:t>. </a:t>
+            </a:r>
+          </a:p>
+          <a:p>
+            <a:pPr marL="714375" lvl="1" indent="-457200" algn="just">
+              <a:buFont typeface="Arial" panose="020B0604020202020204" pitchFamily="34" charset="0"/>
+              <a:buChar char="•"/>
+            </a:pPr>
+            <a:r>
+              <a:rPr lang="de-DE" sz="3400" dirty="0" err="1"/>
+              <a:t>Ways</a:t>
+            </a:r>
+            <a:r>
+              <a:rPr lang="de-DE" sz="3400" dirty="0"/>
+              <a:t>, </a:t>
+            </a:r>
+            <a:r>
+              <a:rPr lang="de-DE" sz="3400" dirty="0" err="1"/>
+              <a:t>which</a:t>
+            </a:r>
+            <a:r>
+              <a:rPr lang="de-DE" sz="3400" dirty="0"/>
+              <a:t> </a:t>
+            </a:r>
+            <a:r>
+              <a:rPr lang="de-DE" sz="3400" dirty="0" err="1"/>
+              <a:t>represent</a:t>
+            </a:r>
+            <a:r>
+              <a:rPr lang="de-DE" sz="3400" dirty="0"/>
+              <a:t> </a:t>
+            </a:r>
+            <a:r>
+              <a:rPr lang="de-DE" sz="3400" dirty="0" err="1"/>
+              <a:t>line</a:t>
+            </a:r>
+            <a:r>
+              <a:rPr lang="de-DE" sz="3400" dirty="0"/>
+              <a:t> </a:t>
+            </a:r>
+            <a:r>
+              <a:rPr lang="de-DE" sz="3400" dirty="0" err="1"/>
+              <a:t>objects</a:t>
+            </a:r>
+            <a:r>
+              <a:rPr lang="de-DE" sz="3400" dirty="0"/>
+              <a:t> and connect </a:t>
+            </a:r>
+            <a:r>
+              <a:rPr lang="de-DE" sz="3400" dirty="0" err="1"/>
+              <a:t>the</a:t>
+            </a:r>
+            <a:r>
+              <a:rPr lang="de-DE" sz="3400" dirty="0"/>
+              <a:t> Nodes (</a:t>
+            </a:r>
+            <a:r>
+              <a:rPr lang="de-DE" sz="3400" dirty="0" err="1"/>
+              <a:t>connection</a:t>
+            </a:r>
+            <a:r>
+              <a:rPr lang="de-DE" sz="3400" dirty="0"/>
+              <a:t> </a:t>
+            </a:r>
+            <a:r>
+              <a:rPr lang="de-DE" sz="3400" dirty="0" err="1"/>
+              <a:t>of</a:t>
+            </a:r>
+            <a:r>
+              <a:rPr lang="de-DE" sz="3400" dirty="0"/>
+              <a:t> power </a:t>
+            </a:r>
+            <a:r>
+              <a:rPr lang="de-DE" sz="3400" dirty="0" err="1"/>
+              <a:t>poles</a:t>
+            </a:r>
+            <a:r>
+              <a:rPr lang="de-DE" sz="3400" dirty="0"/>
+              <a:t>)</a:t>
+            </a:r>
+          </a:p>
+        </p:txBody>
+      </p:sp>
+      <p:pic>
+        <p:nvPicPr>
+          <p:cNvPr id="10" name="Bild 1">
+            <a:extLst>
+              <a:ext uri="{FF2B5EF4-FFF2-40B4-BE49-F238E27FC236}">
+                <a16:creationId xmlns:a16="http://schemas.microsoft.com/office/drawing/2014/main" id="{6566866F-AFD2-7022-2D51-191E449980B1}"/>
+              </a:ext>
+            </a:extLst>
+          </p:cNvPr>
+          <p:cNvPicPr>
+            <a:picLocks noChangeAspect="1"/>
+          </p:cNvPicPr>
+          <p:nvPr/>
+        </p:nvPicPr>
+        <p:blipFill>
+          <a:blip r:embed="rId5" cstate="print">
+            <a:extLst>
+              <a:ext uri="{28A0092B-C50C-407E-A947-70E740481C1C}">
+                <a14:useLocalDpi xmlns:a14="http://schemas.microsoft.com/office/drawing/2010/main" val="0"/>
+              </a:ext>
+            </a:extLst>
+          </a:blip>
+          <a:srcRect/>
+          <a:stretch>
+            <a:fillRect/>
+          </a:stretch>
+        </p:blipFill>
+        <p:spPr bwMode="auto">
+          <a:xfrm>
+            <a:off x="8215836" y="25466986"/>
+            <a:ext cx="5892556" cy="4033343"/>
+          </a:xfrm>
+          <a:prstGeom prst="rect">
+            <a:avLst/>
+          </a:prstGeom>
+          <a:noFill/>
+          <a:ln>
+            <a:noFill/>
+          </a:ln>
+        </p:spPr>
+      </p:pic>
+      <p:sp>
+        <p:nvSpPr>
+          <p:cNvPr id="15" name="Textfeld 14">
+            <a:extLst>
+              <a:ext uri="{FF2B5EF4-FFF2-40B4-BE49-F238E27FC236}">
+                <a16:creationId xmlns:a16="http://schemas.microsoft.com/office/drawing/2014/main" id="{B2BCC090-78EB-2738-6776-3203F0033346}"/>
+              </a:ext>
+            </a:extLst>
+          </p:cNvPr>
+          <p:cNvSpPr txBox="1"/>
+          <p:nvPr/>
+        </p:nvSpPr>
+        <p:spPr>
+          <a:xfrm>
+            <a:off x="8215836" y="29500329"/>
+            <a:ext cx="5495192" cy="1446550"/>
+          </a:xfrm>
+          <a:prstGeom prst="rect">
+            <a:avLst/>
+          </a:prstGeom>
+          <a:noFill/>
+        </p:spPr>
+        <p:txBody>
+          <a:bodyPr wrap="square">
+            <a:spAutoFit/>
+          </a:bodyPr>
+          <a:lstStyle/>
+          <a:p>
+            <a:r>
+              <a:rPr lang="en-US" sz="2200" dirty="0"/>
+              <a:t>Figure 1: Simplified representation of the OpenStreetMap data model based on [11]. 0 … n means that an element may occur 0 to n times </a:t>
+            </a:r>
+            <a:endParaRPr lang="de-DE" sz="2200" dirty="0"/>
+          </a:p>
+        </p:txBody>
+      </p:sp>
+      <p:sp>
+        <p:nvSpPr>
+          <p:cNvPr id="18" name="Textfeld 17">
+            <a:extLst>
+              <a:ext uri="{FF2B5EF4-FFF2-40B4-BE49-F238E27FC236}">
+                <a16:creationId xmlns:a16="http://schemas.microsoft.com/office/drawing/2014/main" id="{E3260EE4-D7C7-6499-0C2E-637DFDB25B5E}"/>
+              </a:ext>
+            </a:extLst>
+          </p:cNvPr>
+          <p:cNvSpPr txBox="1"/>
+          <p:nvPr/>
+        </p:nvSpPr>
+        <p:spPr>
+          <a:xfrm>
+            <a:off x="1082480" y="25152543"/>
+            <a:ext cx="6703071" cy="6894195"/>
+          </a:xfrm>
+          <a:prstGeom prst="rect">
+            <a:avLst/>
+          </a:prstGeom>
+          <a:noFill/>
+        </p:spPr>
+        <p:txBody>
+          <a:bodyPr wrap="square">
+            <a:spAutoFit/>
+          </a:bodyPr>
+          <a:lstStyle/>
+          <a:p>
+            <a:pPr marL="714375" lvl="1" indent="-457200" algn="just">
+              <a:buFont typeface="Arial" panose="020B0604020202020204" pitchFamily="34" charset="0"/>
+              <a:buChar char="•"/>
+            </a:pPr>
+            <a:r>
+              <a:rPr lang="de-DE" sz="3400" dirty="0"/>
+              <a:t>Relations, </a:t>
+            </a:r>
+            <a:r>
+              <a:rPr lang="de-DE" sz="3400" dirty="0" err="1"/>
+              <a:t>which</a:t>
+            </a:r>
+            <a:r>
+              <a:rPr lang="de-DE" sz="3400" dirty="0"/>
+              <a:t> </a:t>
+            </a:r>
+            <a:r>
+              <a:rPr lang="de-DE" sz="3400" dirty="0" err="1"/>
+              <a:t>represent</a:t>
+            </a:r>
+            <a:r>
+              <a:rPr lang="de-DE" sz="3400" dirty="0"/>
+              <a:t> </a:t>
+            </a:r>
+            <a:r>
+              <a:rPr lang="de-DE" sz="3400" dirty="0" err="1"/>
+              <a:t>the</a:t>
+            </a:r>
+            <a:r>
+              <a:rPr lang="de-DE" sz="3400" dirty="0"/>
+              <a:t> </a:t>
+            </a:r>
+            <a:r>
+              <a:rPr lang="de-DE" sz="3400" dirty="0" err="1"/>
+              <a:t>correlation</a:t>
+            </a:r>
+            <a:r>
+              <a:rPr lang="de-DE" sz="3400" dirty="0"/>
+              <a:t> </a:t>
+            </a:r>
+            <a:r>
+              <a:rPr lang="de-DE" sz="3400" dirty="0" err="1"/>
+              <a:t>between</a:t>
+            </a:r>
+            <a:r>
+              <a:rPr lang="de-DE" sz="3400" dirty="0"/>
+              <a:t> different </a:t>
+            </a:r>
+            <a:r>
+              <a:rPr lang="de-DE" sz="3400" dirty="0" err="1"/>
+              <a:t>objects</a:t>
+            </a:r>
+            <a:r>
+              <a:rPr lang="de-DE" sz="3400" dirty="0"/>
+              <a:t>, </a:t>
+            </a:r>
+            <a:r>
+              <a:rPr lang="de-DE" sz="3400" dirty="0" err="1"/>
+              <a:t>consisting</a:t>
+            </a:r>
+            <a:r>
+              <a:rPr lang="de-DE" sz="3400" dirty="0"/>
+              <a:t> </a:t>
+            </a:r>
+            <a:r>
+              <a:rPr lang="de-DE" sz="3400" dirty="0" err="1"/>
+              <a:t>of</a:t>
+            </a:r>
+            <a:r>
+              <a:rPr lang="de-DE" sz="3400" dirty="0"/>
+              <a:t> a </a:t>
+            </a:r>
+            <a:r>
+              <a:rPr lang="de-DE" sz="3400" dirty="0" err="1"/>
+              <a:t>list</a:t>
+            </a:r>
+            <a:r>
+              <a:rPr lang="de-DE" sz="3400" dirty="0"/>
+              <a:t> </a:t>
+            </a:r>
+            <a:r>
+              <a:rPr lang="de-DE" sz="3400" dirty="0" err="1"/>
+              <a:t>of</a:t>
+            </a:r>
+            <a:r>
+              <a:rPr lang="de-DE" sz="3400" dirty="0"/>
+              <a:t> </a:t>
+            </a:r>
+            <a:r>
+              <a:rPr lang="de-DE" sz="3400" dirty="0" err="1"/>
+              <a:t>members</a:t>
+            </a:r>
+            <a:r>
+              <a:rPr lang="de-DE" sz="3400" dirty="0"/>
+              <a:t> such </a:t>
+            </a:r>
+            <a:r>
+              <a:rPr lang="de-DE" sz="3400" dirty="0" err="1"/>
+              <a:t>as</a:t>
+            </a:r>
+            <a:r>
+              <a:rPr lang="de-DE" sz="3400" dirty="0"/>
+              <a:t> Nodes and </a:t>
+            </a:r>
+            <a:r>
+              <a:rPr lang="de-DE" sz="3400" dirty="0" err="1"/>
+              <a:t>Ways</a:t>
+            </a:r>
+            <a:r>
+              <a:rPr lang="de-DE" sz="3400" dirty="0"/>
+              <a:t>, but also </a:t>
+            </a:r>
+            <a:r>
+              <a:rPr lang="de-DE" sz="3400" dirty="0" err="1"/>
+              <a:t>other</a:t>
+            </a:r>
+            <a:r>
+              <a:rPr lang="de-DE" sz="3400" dirty="0"/>
+              <a:t> Relations</a:t>
+            </a:r>
+          </a:p>
+          <a:p>
+            <a:pPr marL="714375" lvl="1" indent="-457200" algn="just">
+              <a:buFont typeface="Arial" panose="020B0604020202020204" pitchFamily="34" charset="0"/>
+              <a:buChar char="•"/>
+            </a:pPr>
+            <a:r>
+              <a:rPr lang="de-DE" sz="3400" dirty="0"/>
+              <a:t>Key-Value </a:t>
+            </a:r>
+            <a:r>
+              <a:rPr lang="de-DE" sz="3400" dirty="0" err="1"/>
+              <a:t>pairs</a:t>
+            </a:r>
+            <a:r>
+              <a:rPr lang="de-DE" sz="3400" dirty="0"/>
+              <a:t>, </a:t>
+            </a:r>
+            <a:r>
+              <a:rPr lang="de-DE" sz="3400" dirty="0" err="1"/>
+              <a:t>which</a:t>
+            </a:r>
+            <a:r>
+              <a:rPr lang="de-DE" sz="3400" dirty="0"/>
+              <a:t> </a:t>
+            </a:r>
+            <a:r>
+              <a:rPr lang="de-DE" sz="3400" dirty="0" err="1"/>
+              <a:t>is</a:t>
+            </a:r>
+            <a:r>
+              <a:rPr lang="de-DE" sz="3400" dirty="0"/>
+              <a:t> </a:t>
+            </a:r>
+            <a:r>
+              <a:rPr lang="de-DE" sz="3400" dirty="0" err="1"/>
+              <a:t>called</a:t>
+            </a:r>
+            <a:r>
+              <a:rPr lang="de-DE" sz="3400" dirty="0"/>
+              <a:t> a Tag. </a:t>
+            </a:r>
+            <a:r>
+              <a:rPr lang="de-DE" sz="3400" dirty="0" err="1"/>
+              <a:t>Each</a:t>
+            </a:r>
+            <a:r>
+              <a:rPr lang="de-DE" sz="3400" dirty="0"/>
+              <a:t> Tag </a:t>
+            </a:r>
+            <a:r>
+              <a:rPr lang="de-DE" sz="3400" dirty="0" err="1"/>
+              <a:t>defines</a:t>
+            </a:r>
+            <a:r>
+              <a:rPr lang="de-DE" sz="3400" dirty="0"/>
+              <a:t> </a:t>
+            </a:r>
+            <a:r>
+              <a:rPr lang="de-DE" sz="3400" dirty="0" err="1"/>
+              <a:t>the</a:t>
+            </a:r>
+            <a:r>
+              <a:rPr lang="de-DE" sz="3400" dirty="0"/>
+              <a:t> </a:t>
+            </a:r>
+            <a:r>
+              <a:rPr lang="de-DE" sz="3400" dirty="0" err="1"/>
+              <a:t>property</a:t>
+            </a:r>
+            <a:r>
+              <a:rPr lang="de-DE" sz="3400" dirty="0"/>
+              <a:t> an </a:t>
+            </a:r>
+            <a:r>
+              <a:rPr lang="de-DE" sz="3400" dirty="0" err="1"/>
+              <a:t>object</a:t>
+            </a:r>
+            <a:r>
+              <a:rPr lang="de-DE" sz="3400" dirty="0"/>
+              <a:t>, such </a:t>
+            </a:r>
+            <a:r>
+              <a:rPr lang="de-DE" sz="3400" dirty="0" err="1"/>
+              <a:t>as</a:t>
+            </a:r>
+            <a:r>
+              <a:rPr lang="de-DE" sz="3400" dirty="0"/>
+              <a:t> </a:t>
+            </a:r>
+            <a:r>
+              <a:rPr lang="de-DE" sz="3400" dirty="0" err="1"/>
+              <a:t>the</a:t>
+            </a:r>
+            <a:r>
+              <a:rPr lang="de-DE" sz="3400" dirty="0"/>
+              <a:t> </a:t>
+            </a:r>
+            <a:r>
+              <a:rPr lang="de-DE" sz="3400" dirty="0" err="1"/>
+              <a:t>voltage</a:t>
+            </a:r>
+            <a:r>
+              <a:rPr lang="de-DE" sz="3400" dirty="0"/>
+              <a:t> </a:t>
+            </a:r>
+            <a:r>
+              <a:rPr lang="de-DE" sz="3400" dirty="0" err="1"/>
+              <a:t>level</a:t>
+            </a:r>
+            <a:r>
+              <a:rPr lang="de-DE" sz="3400" dirty="0"/>
+              <a:t>, </a:t>
+            </a:r>
+            <a:r>
+              <a:rPr lang="de-DE" sz="3400" dirty="0" err="1"/>
+              <a:t>frequency</a:t>
+            </a:r>
+            <a:r>
+              <a:rPr lang="de-DE" sz="3400" dirty="0"/>
+              <a:t>, </a:t>
+            </a:r>
+            <a:r>
+              <a:rPr lang="de-DE" sz="3400" dirty="0" err="1"/>
+              <a:t>number</a:t>
+            </a:r>
+            <a:r>
+              <a:rPr lang="de-DE" sz="3400" dirty="0"/>
+              <a:t> </a:t>
+            </a:r>
+            <a:r>
+              <a:rPr lang="de-DE" sz="3400" dirty="0" err="1"/>
+              <a:t>of</a:t>
+            </a:r>
+            <a:r>
+              <a:rPr lang="de-DE" sz="3400" dirty="0"/>
+              <a:t> </a:t>
+            </a:r>
+            <a:r>
+              <a:rPr lang="de-DE" sz="3400" dirty="0" err="1"/>
+              <a:t>cables</a:t>
+            </a:r>
+            <a:r>
+              <a:rPr lang="de-DE" sz="3400" dirty="0"/>
+              <a:t> and </a:t>
+            </a:r>
+            <a:r>
+              <a:rPr lang="de-DE" sz="3400" dirty="0" err="1"/>
+              <a:t>wires</a:t>
+            </a:r>
+            <a:r>
+              <a:rPr lang="de-DE" sz="3400" dirty="0"/>
+              <a:t> per </a:t>
+            </a:r>
+            <a:r>
+              <a:rPr lang="de-DE" sz="3400" dirty="0" err="1"/>
+              <a:t>voltage</a:t>
+            </a:r>
+            <a:r>
+              <a:rPr lang="de-DE" sz="3400" dirty="0"/>
+              <a:t>, </a:t>
+            </a:r>
+            <a:r>
+              <a:rPr lang="de-DE" sz="3400" dirty="0" err="1"/>
+              <a:t>number</a:t>
+            </a:r>
+            <a:r>
+              <a:rPr lang="de-DE" sz="3400" dirty="0"/>
+              <a:t> </a:t>
+            </a:r>
+            <a:r>
+              <a:rPr lang="de-DE" sz="3400" dirty="0" err="1"/>
+              <a:t>of</a:t>
+            </a:r>
+            <a:r>
+              <a:rPr lang="de-DE" sz="3400" dirty="0"/>
+              <a:t> </a:t>
+            </a:r>
+            <a:r>
+              <a:rPr lang="de-DE" sz="3400" dirty="0" err="1"/>
+              <a:t>circuits</a:t>
+            </a:r>
+            <a:r>
+              <a:rPr lang="de-DE" sz="3400" dirty="0"/>
+              <a:t>.</a:t>
+            </a:r>
+          </a:p>
+        </p:txBody>
+      </p:sp>
     </p:spTree>
     <p:extLst>
       <p:ext uri="{BB962C8B-B14F-4D97-AF65-F5344CB8AC3E}">

--- a/Poster.pptx
+++ b/Poster.pptx
@@ -8084,7 +8084,7 @@
         </p:nvSpPr>
         <p:spPr>
           <a:xfrm>
-            <a:off x="15948518" y="21963390"/>
+            <a:off x="16512045" y="18428410"/>
             <a:ext cx="13338017" cy="830997"/>
           </a:xfrm>
           <a:prstGeom prst="rect">
@@ -8140,13 +8140,15 @@
       <p:cxnSp>
         <p:nvCxnSpPr>
           <p:cNvPr id="33" name="Gerade Verbindung 32"/>
-          <p:cNvCxnSpPr/>
+          <p:cNvCxnSpPr>
+            <a:cxnSpLocks/>
+          </p:cNvCxnSpPr>
           <p:nvPr/>
         </p:nvCxnSpPr>
         <p:spPr>
-          <a:xfrm>
-            <a:off x="15543377" y="32395796"/>
-            <a:ext cx="14468513" cy="0"/>
+          <a:xfrm flipV="1">
+            <a:off x="15770387" y="25021000"/>
+            <a:ext cx="14509588" cy="106363"/>
           </a:xfrm>
           <a:prstGeom prst="line">
             <a:avLst/>
@@ -8215,7 +8217,7 @@
         </p:nvSpPr>
         <p:spPr>
           <a:xfrm>
-            <a:off x="15948518" y="15687451"/>
+            <a:off x="16512045" y="14982841"/>
             <a:ext cx="13992149" cy="830997"/>
           </a:xfrm>
           <a:prstGeom prst="rect">
@@ -8231,7 +8233,7 @@
           <a:p>
             <a:r>
               <a:rPr lang="en-US" sz="4800" b="1" dirty="0"/>
-              <a:t>Scenario 1: Missing Frequency value</a:t>
+              <a:t>Scenario: Missing Frequency value</a:t>
             </a:r>
             <a:endParaRPr lang="en-US" sz="4000" b="1" dirty="0"/>
           </a:p>
@@ -8240,12 +8242,14 @@
       <p:cxnSp>
         <p:nvCxnSpPr>
           <p:cNvPr id="67" name="Gerade Verbindung 66"/>
-          <p:cNvCxnSpPr/>
+          <p:cNvCxnSpPr>
+            <a:cxnSpLocks/>
+          </p:cNvCxnSpPr>
           <p:nvPr/>
         </p:nvCxnSpPr>
         <p:spPr>
           <a:xfrm>
-            <a:off x="15459215" y="15327049"/>
+            <a:off x="15815283" y="15817284"/>
             <a:ext cx="14459520" cy="31161"/>
           </a:xfrm>
           <a:prstGeom prst="line">
@@ -8348,83 +8352,6 @@
           </a:p>
         </p:txBody>
       </p:sp>
-      <p:sp>
-        <p:nvSpPr>
-          <p:cNvPr id="130" name="Textfeld 129"/>
-          <p:cNvSpPr txBox="1"/>
-          <p:nvPr/>
-        </p:nvSpPr>
-        <p:spPr>
-          <a:xfrm>
-            <a:off x="24373540" y="32777123"/>
-            <a:ext cx="5228627" cy="1969770"/>
-          </a:xfrm>
-          <a:prstGeom prst="rect">
-            <a:avLst/>
-          </a:prstGeom>
-          <a:noFill/>
-        </p:spPr>
-        <p:txBody>
-          <a:bodyPr wrap="square" rtlCol="0">
-            <a:spAutoFit/>
-          </a:bodyPr>
-          <a:lstStyle/>
-          <a:p>
-            <a:pPr marL="457200" indent="-457200" algn="just">
-              <a:spcAft>
-                <a:spcPts val="1200"/>
-              </a:spcAft>
-              <a:buFont typeface="Arial" panose="020B0604020202020204" pitchFamily="34" charset="0"/>
-              <a:buChar char="•"/>
-            </a:pPr>
-            <a:r>
-              <a:rPr lang="en-US" sz="3400" u="sng" spc="-5" dirty="0">
-                <a:ea typeface="MS Mincho"/>
-              </a:rPr>
-              <a:t>Text</a:t>
-            </a:r>
-            <a:endParaRPr lang="en-US" sz="3400" spc="-5" dirty="0">
-              <a:ea typeface="MS Mincho"/>
-            </a:endParaRPr>
-          </a:p>
-          <a:p>
-            <a:pPr marL="457200" indent="-457200" algn="just">
-              <a:spcAft>
-                <a:spcPts val="1200"/>
-              </a:spcAft>
-              <a:buFont typeface="Arial" panose="020B0604020202020204" pitchFamily="34" charset="0"/>
-              <a:buChar char="•"/>
-            </a:pPr>
-            <a:r>
-              <a:rPr lang="en-US" sz="3400" u="sng" spc="-5" dirty="0">
-                <a:ea typeface="MS Mincho"/>
-              </a:rPr>
-              <a:t>Text</a:t>
-            </a:r>
-            <a:endParaRPr lang="en-US" sz="3400" spc="-5" dirty="0">
-              <a:ea typeface="MS Mincho"/>
-            </a:endParaRPr>
-          </a:p>
-          <a:p>
-            <a:pPr marL="457200" indent="-457200" algn="just">
-              <a:spcAft>
-                <a:spcPts val="1200"/>
-              </a:spcAft>
-              <a:buFont typeface="Arial" panose="020B0604020202020204" pitchFamily="34" charset="0"/>
-              <a:buChar char="•"/>
-            </a:pPr>
-            <a:r>
-              <a:rPr lang="en-US" sz="3400" u="sng" spc="-5" dirty="0">
-                <a:ea typeface="MS Mincho"/>
-              </a:rPr>
-              <a:t>Text</a:t>
-            </a:r>
-            <a:endParaRPr lang="en-US" sz="3400" spc="-5" dirty="0">
-              <a:ea typeface="MS Mincho"/>
-            </a:endParaRPr>
-          </a:p>
-        </p:txBody>
-      </p:sp>
       <p:cxnSp>
         <p:nvCxnSpPr>
           <p:cNvPr id="168" name="Gerade Verbindung 167"/>
@@ -8464,7 +8391,7 @@
         </p:nvSpPr>
         <p:spPr>
           <a:xfrm>
-            <a:off x="15902380" y="34591838"/>
+            <a:off x="16615334" y="34046282"/>
             <a:ext cx="8532422" cy="830997"/>
           </a:xfrm>
           <a:prstGeom prst="rect">
@@ -8481,7 +8408,7 @@
             <a:pPr algn="just"/>
             <a:r>
               <a:rPr lang="en-US" sz="4800" b="1" dirty="0"/>
-              <a:t>4. Conclusions</a:t>
+              <a:t>5. Conclusions</a:t>
             </a:r>
             <a:endParaRPr lang="en-US" sz="4000" b="1" dirty="0"/>
           </a:p>
@@ -8495,7 +8422,7 @@
         </p:nvCxnSpPr>
         <p:spPr>
           <a:xfrm>
-            <a:off x="15871256" y="35454692"/>
+            <a:off x="15856583" y="34899332"/>
             <a:ext cx="14430945" cy="0"/>
           </a:xfrm>
           <a:prstGeom prst="line">
@@ -8530,8 +8457,8 @@
         </p:nvSpPr>
         <p:spPr>
           <a:xfrm>
-            <a:off x="15871255" y="35838334"/>
-            <a:ext cx="13321267" cy="3323987"/>
+            <a:off x="16384241" y="35109669"/>
+            <a:ext cx="13321267" cy="4585871"/>
           </a:xfrm>
           <a:prstGeom prst="rect">
             <a:avLst/>
@@ -8558,7 +8485,31 @@
               <a:rPr lang="en-US" sz="3400" spc="-5" dirty="0">
                 <a:ea typeface="MS Mincho"/>
               </a:rPr>
-              <a:t>Text</a:t>
+              <a:t>The developed tool in this project offers an approach to an open-source electrical grid model generator using </a:t>
+            </a:r>
+            <a:r>
+              <a:rPr lang="en-US" sz="3400" i="1" spc="-5" dirty="0">
+                <a:ea typeface="MS Mincho"/>
+              </a:rPr>
+              <a:t>Python </a:t>
+            </a:r>
+            <a:r>
+              <a:rPr lang="en-US" sz="3400" spc="-5" dirty="0">
+                <a:ea typeface="MS Mincho"/>
+              </a:rPr>
+              <a:t>as a programming language and </a:t>
+            </a:r>
+            <a:r>
+              <a:rPr lang="en-US" sz="3400" i="1" spc="-5" dirty="0">
+                <a:ea typeface="MS Mincho"/>
+              </a:rPr>
+              <a:t>OSM-</a:t>
+            </a:r>
+            <a:r>
+              <a:rPr lang="en-US" sz="3400" spc="-5" dirty="0">
+                <a:ea typeface="MS Mincho"/>
+              </a:rPr>
+              <a:t>geodatabase as a data source.</a:t>
             </a:r>
           </a:p>
           <a:p>
@@ -8576,11 +8527,23 @@
               <a:rPr lang="en-US" sz="3400" spc="-5" dirty="0">
                 <a:ea typeface="MS Mincho"/>
               </a:rPr>
-              <a:t>Text</a:t>
-            </a:r>
-          </a:p>
-          <a:p>
-            <a:pPr marL="457200" indent="-457200" algn="just">
+              <a:t>Python makes the tool being </a:t>
+            </a:r>
+            <a:r>
+              <a:rPr lang="en-US" sz="3400" spc="-5" dirty="0" err="1">
+                <a:ea typeface="MS Mincho"/>
+              </a:rPr>
+              <a:t>replicatable</a:t>
+            </a:r>
+            <a:r>
+              <a:rPr lang="en-US" sz="3400" spc="-5" dirty="0">
+                <a:ea typeface="MS Mincho"/>
+              </a:rPr>
+              <a:t> in any computer system and reduces strongly software dependency and installation time.</a:t>
+            </a:r>
+          </a:p>
+          <a:p>
+            <a:pPr marL="457200" lvl="0" indent="-457200" algn="just">
               <a:spcAft>
                 <a:spcPts val="1200"/>
               </a:spcAft>
@@ -8591,35 +8554,41 @@
               </a:tabLst>
             </a:pPr>
             <a:r>
-              <a:rPr lang="en-US" sz="3400" dirty="0"/>
-              <a:t>Text</a:t>
-            </a:r>
-          </a:p>
-          <a:p>
-            <a:pPr marL="457200" indent="-457200" algn="just">
-              <a:spcAft>
-                <a:spcPts val="1200"/>
-              </a:spcAft>
-              <a:buFont typeface="Arial" panose="020B0604020202020204" pitchFamily="34" charset="0"/>
-              <a:buChar char="•"/>
-              <a:tabLst>
-                <a:tab pos="182880" algn="l"/>
-              </a:tabLst>
-            </a:pPr>
-            <a:endParaRPr lang="en-US" sz="3400" dirty="0"/>
-          </a:p>
-          <a:p>
-            <a:pPr lvl="0" algn="just">
-              <a:spcAft>
-                <a:spcPts val="1200"/>
-              </a:spcAft>
-              <a:tabLst>
-                <a:tab pos="182880" algn="l"/>
-              </a:tabLst>
-            </a:pPr>
-            <a:endParaRPr lang="en-US" sz="3400" b="1" spc="-5" dirty="0">
-              <a:ea typeface="MS Mincho"/>
-            </a:endParaRPr>
+              <a:rPr lang="en-US" sz="3400" spc="-5" dirty="0">
+                <a:ea typeface="MS Mincho"/>
+              </a:rPr>
+              <a:t>Next step is further development of the tool based on </a:t>
+            </a:r>
+            <a:r>
+              <a:rPr lang="en-US" sz="3400" i="1" spc="-5" dirty="0" err="1">
+                <a:ea typeface="MS Mincho"/>
+              </a:rPr>
+              <a:t>osmTGmod</a:t>
+            </a:r>
+            <a:r>
+              <a:rPr lang="en-US" sz="3400" i="1" spc="-5" dirty="0">
+                <a:ea typeface="MS Mincho"/>
+              </a:rPr>
+              <a:t>, </a:t>
+            </a:r>
+            <a:r>
+              <a:rPr lang="en-US" sz="3400" spc="-5" dirty="0">
+                <a:ea typeface="MS Mincho"/>
+              </a:rPr>
+              <a:t>such as grid calculations</a:t>
+            </a:r>
+            <a:r>
+              <a:rPr lang="en-US" sz="3400" i="1" spc="-5" dirty="0">
+                <a:ea typeface="MS Mincho"/>
+              </a:rPr>
+              <a:t>, </a:t>
+            </a:r>
+            <a:r>
+              <a:rPr lang="en-US" sz="3400" spc="-5" dirty="0">
+                <a:ea typeface="MS Mincho"/>
+              </a:rPr>
+              <a:t>which will open the way to the realization and full potential of the developed tool.</a:t>
+            </a:r>
           </a:p>
         </p:txBody>
       </p:sp>
@@ -9005,8 +8974,8 @@
         </p:nvSpPr>
         <p:spPr>
           <a:xfrm>
-            <a:off x="15610020" y="31564799"/>
-            <a:ext cx="14420482" cy="830997"/>
+            <a:off x="16512045" y="24265644"/>
+            <a:ext cx="9377712" cy="830997"/>
           </a:xfrm>
           <a:prstGeom prst="rect">
             <a:avLst/>
@@ -9021,7 +8990,7 @@
           <a:p>
             <a:r>
               <a:rPr lang="en-US" sz="4800" b="1" dirty="0"/>
-              <a:t>Scenario 2: xx</a:t>
+              <a:t>4. Application and outlook</a:t>
             </a:r>
             <a:endParaRPr lang="en-US" sz="4000" b="1" dirty="0"/>
           </a:p>
@@ -9065,8 +9034,8 @@
         </p:nvSpPr>
         <p:spPr>
           <a:xfrm>
-            <a:off x="15487790" y="16800375"/>
-            <a:ext cx="13946164" cy="3600986"/>
+            <a:off x="16384240" y="16127184"/>
+            <a:ext cx="13309441" cy="2554545"/>
           </a:xfrm>
           <a:prstGeom prst="rect">
             <a:avLst/>
@@ -9097,19 +9066,6 @@
               <a:rPr lang="en-GB" sz="3400" dirty="0"/>
               <a:t>If a line has the same start- or endpoint and the voltage is the same, it is considered as a neighbour.</a:t>
             </a:r>
-          </a:p>
-          <a:p>
-            <a:pPr marL="342900" indent="-342900" algn="just">
-              <a:buFont typeface="Arial" panose="020B0604020202020204" pitchFamily="34" charset="0"/>
-              <a:buChar char="•"/>
-            </a:pPr>
-            <a:endParaRPr lang="en-US" sz="3400" dirty="0"/>
-          </a:p>
-          <a:p>
-            <a:pPr marL="342900" indent="-342900">
-              <a:buFont typeface="Arial" panose="020B0604020202020204" pitchFamily="34" charset="0"/>
-              <a:buChar char="•"/>
-            </a:pPr>
             <a:endParaRPr lang="en-US" sz="3400" dirty="0"/>
           </a:p>
           <a:p>
@@ -9130,7 +9086,7 @@
         <p:spPr>
           <a:xfrm>
             <a:off x="16384241" y="9768869"/>
-            <a:ext cx="13309440" cy="5786199"/>
+            <a:ext cx="13309440" cy="5109091"/>
           </a:xfrm>
           <a:prstGeom prst="rect">
             <a:avLst/>
@@ -9210,18 +9166,6 @@
               </a:rPr>
               <a:t>Therefore, the data types of same values are unified. Now missing data can be added and errors can be removed. </a:t>
             </a:r>
-          </a:p>
-          <a:p>
-            <a:pPr marL="457200" indent="-457200" algn="just">
-              <a:spcAft>
-                <a:spcPts val="1200"/>
-              </a:spcAft>
-              <a:buFont typeface="Arial" panose="020B0604020202020204" pitchFamily="34" charset="0"/>
-              <a:buChar char="•"/>
-            </a:pPr>
-            <a:endParaRPr lang="en-GB" sz="3400" spc="-5" dirty="0">
-              <a:ea typeface="MS Mincho"/>
-            </a:endParaRPr>
           </a:p>
         </p:txBody>
       </p:sp>
@@ -9369,46 +9313,6 @@
       </p:sp>
       <p:sp>
         <p:nvSpPr>
-          <p:cNvPr id="3" name="Textfeld 2">
-            <a:extLst>
-              <a:ext uri="{FF2B5EF4-FFF2-40B4-BE49-F238E27FC236}">
-                <a16:creationId xmlns:a16="http://schemas.microsoft.com/office/drawing/2014/main" id="{A2E80806-C4FB-4C12-BDE3-E21C65581F47}"/>
-              </a:ext>
-            </a:extLst>
-          </p:cNvPr>
-          <p:cNvSpPr txBox="1"/>
-          <p:nvPr/>
-        </p:nvSpPr>
-        <p:spPr>
-          <a:xfrm>
-            <a:off x="15662269" y="33344226"/>
-            <a:ext cx="4666226" cy="584775"/>
-          </a:xfrm>
-          <a:prstGeom prst="rect">
-            <a:avLst/>
-          </a:prstGeom>
-          <a:noFill/>
-          <a:ln>
-            <a:solidFill>
-              <a:schemeClr val="accent1"/>
-            </a:solidFill>
-          </a:ln>
-        </p:spPr>
-        <p:txBody>
-          <a:bodyPr wrap="square" rtlCol="0">
-            <a:spAutoFit/>
-          </a:bodyPr>
-          <a:lstStyle/>
-          <a:p>
-            <a:r>
-              <a:rPr lang="de-DE" sz="3200" dirty="0"/>
-              <a:t>Grafik</a:t>
-            </a:r>
-          </a:p>
-        </p:txBody>
-      </p:sp>
-      <p:sp>
-        <p:nvSpPr>
           <p:cNvPr id="2" name="Textfeld 1">
             <a:extLst>
               <a:ext uri="{FF2B5EF4-FFF2-40B4-BE49-F238E27FC236}">
@@ -9524,7 +9428,7 @@
         </p:blipFill>
         <p:spPr>
           <a:xfrm>
-            <a:off x="17558007" y="23125534"/>
+            <a:off x="16520432" y="19435392"/>
             <a:ext cx="9180830" cy="4348815"/>
           </a:xfrm>
           <a:prstGeom prst="rect">
@@ -10247,8 +10151,8 @@
         </p:nvSpPr>
         <p:spPr>
           <a:xfrm>
-            <a:off x="8215836" y="29500329"/>
-            <a:ext cx="5495192" cy="1446550"/>
+            <a:off x="8215835" y="29676314"/>
+            <a:ext cx="5692669" cy="1815882"/>
           </a:xfrm>
           <a:prstGeom prst="rect">
             <a:avLst/>
@@ -10262,10 +10166,17 @@
           <a:lstStyle/>
           <a:p>
             <a:r>
-              <a:rPr lang="en-US" sz="2200" dirty="0"/>
-              <a:t>Figure 1: Simplified representation of the OpenStreetMap data model based on [11]. 0 … n means that an element may occur 0 to n times </a:t>
-            </a:r>
-            <a:endParaRPr lang="de-DE" sz="2200" dirty="0"/>
+              <a:rPr lang="en-US" sz="2800" dirty="0"/>
+              <a:t>Figure 1: Simplified representation of the OpenStreetMap data model. </a:t>
+            </a:r>
+            <a:br>
+              <a:rPr lang="en-US" sz="2800" dirty="0"/>
+            </a:br>
+            <a:r>
+              <a:rPr lang="en-US" sz="2800" dirty="0"/>
+              <a:t>0 … n means that an element may occur 0 to n times </a:t>
+            </a:r>
+            <a:endParaRPr lang="de-DE" sz="2800" dirty="0"/>
           </a:p>
         </p:txBody>
       </p:sp>
@@ -10603,6 +10514,184 @@
               <a:rPr lang="de-DE" sz="3400" dirty="0"/>
               <a:t>.</a:t>
             </a:r>
+          </a:p>
+        </p:txBody>
+      </p:sp>
+      <p:pic>
+        <p:nvPicPr>
+          <p:cNvPr id="19" name="Bild 2">
+            <a:extLst>
+              <a:ext uri="{FF2B5EF4-FFF2-40B4-BE49-F238E27FC236}">
+                <a16:creationId xmlns:a16="http://schemas.microsoft.com/office/drawing/2014/main" id="{0FB32CFB-2B22-F595-F5FE-A03B7627C7DA}"/>
+              </a:ext>
+            </a:extLst>
+          </p:cNvPr>
+          <p:cNvPicPr>
+            <a:picLocks noChangeAspect="1"/>
+          </p:cNvPicPr>
+          <p:nvPr/>
+        </p:nvPicPr>
+        <p:blipFill>
+          <a:blip r:embed="rId6">
+            <a:extLst>
+              <a:ext uri="{28A0092B-C50C-407E-A947-70E740481C1C}">
+                <a14:useLocalDpi xmlns:a14="http://schemas.microsoft.com/office/drawing/2010/main" val="0"/>
+              </a:ext>
+            </a:extLst>
+          </a:blip>
+          <a:srcRect/>
+          <a:stretch>
+            <a:fillRect/>
+          </a:stretch>
+        </p:blipFill>
+        <p:spPr bwMode="auto">
+          <a:xfrm>
+            <a:off x="25044467" y="25229283"/>
+            <a:ext cx="5235507" cy="5735218"/>
+          </a:xfrm>
+          <a:prstGeom prst="rect">
+            <a:avLst/>
+          </a:prstGeom>
+          <a:noFill/>
+          <a:ln>
+            <a:noFill/>
+          </a:ln>
+        </p:spPr>
+      </p:pic>
+      <p:sp>
+        <p:nvSpPr>
+          <p:cNvPr id="20" name="Textfeld 19">
+            <a:extLst>
+              <a:ext uri="{FF2B5EF4-FFF2-40B4-BE49-F238E27FC236}">
+                <a16:creationId xmlns:a16="http://schemas.microsoft.com/office/drawing/2014/main" id="{CF797097-59C3-1CC1-7475-9645FFE809DB}"/>
+              </a:ext>
+            </a:extLst>
+          </p:cNvPr>
+          <p:cNvSpPr txBox="1"/>
+          <p:nvPr/>
+        </p:nvSpPr>
+        <p:spPr>
+          <a:xfrm>
+            <a:off x="16371472" y="25466986"/>
+            <a:ext cx="8429134" cy="7879080"/>
+          </a:xfrm>
+          <a:prstGeom prst="rect">
+            <a:avLst/>
+          </a:prstGeom>
+          <a:noFill/>
+        </p:spPr>
+        <p:txBody>
+          <a:bodyPr wrap="square" rtlCol="0">
+            <a:spAutoFit/>
+          </a:bodyPr>
+          <a:lstStyle/>
+          <a:p>
+            <a:pPr marL="457200" lvl="0" indent="-457200" algn="just">
+              <a:spcAft>
+                <a:spcPts val="1200"/>
+              </a:spcAft>
+              <a:buFont typeface="Arial" panose="020B0604020202020204" pitchFamily="34" charset="0"/>
+              <a:buChar char="•"/>
+              <a:tabLst>
+                <a:tab pos="182880" algn="l"/>
+              </a:tabLst>
+            </a:pPr>
+            <a:r>
+              <a:rPr lang="en-US" sz="3400" spc="-5" dirty="0">
+                <a:ea typeface="MS Mincho"/>
+              </a:rPr>
+              <a:t>The electrical grid model generation is initiated by reading the OSM-data of a region (for NRW the data size is around 700 MB).</a:t>
+            </a:r>
+          </a:p>
+          <a:p>
+            <a:pPr marL="457200" lvl="0" indent="-457200" algn="just">
+              <a:spcAft>
+                <a:spcPts val="1200"/>
+              </a:spcAft>
+              <a:buFont typeface="Arial" panose="020B0604020202020204" pitchFamily="34" charset="0"/>
+              <a:buChar char="•"/>
+              <a:tabLst>
+                <a:tab pos="182880" algn="l"/>
+              </a:tabLst>
+            </a:pPr>
+            <a:r>
+              <a:rPr lang="en-US" sz="3400" spc="-5" dirty="0">
+                <a:ea typeface="MS Mincho"/>
+              </a:rPr>
+              <a:t>The filtering process takes place, which produces 80000 Nodes, 13000 Ways and 1000 Relations.</a:t>
+            </a:r>
+          </a:p>
+          <a:p>
+            <a:pPr marL="457200" lvl="0" indent="-457200" algn="just">
+              <a:spcAft>
+                <a:spcPts val="1200"/>
+              </a:spcAft>
+              <a:buFont typeface="Arial" panose="020B0604020202020204" pitchFamily="34" charset="0"/>
+              <a:buChar char="•"/>
+              <a:tabLst>
+                <a:tab pos="182880" algn="l"/>
+              </a:tabLst>
+            </a:pPr>
+            <a:r>
+              <a:rPr lang="en-US" sz="3400" spc="-5" dirty="0">
+                <a:ea typeface="MS Mincho"/>
+              </a:rPr>
+              <a:t>Power Script is executed to populate missing data, without implementing the routing of power circuits yet. </a:t>
+            </a:r>
+          </a:p>
+          <a:p>
+            <a:pPr marL="457200" lvl="0" indent="-457200" algn="just">
+              <a:spcAft>
+                <a:spcPts val="1200"/>
+              </a:spcAft>
+              <a:buFont typeface="Arial" panose="020B0604020202020204" pitchFamily="34" charset="0"/>
+              <a:buChar char="•"/>
+              <a:tabLst>
+                <a:tab pos="182880" algn="l"/>
+              </a:tabLst>
+            </a:pPr>
+            <a:r>
+              <a:rPr lang="en-US" sz="3400" spc="-5" dirty="0">
+                <a:ea typeface="MS Mincho"/>
+              </a:rPr>
+              <a:t>After completing the power data of the region, the routing by power lines, e.g. between substations, is executed, as it is shown in Figure 2.</a:t>
+            </a:r>
+          </a:p>
+        </p:txBody>
+      </p:sp>
+      <p:sp>
+        <p:nvSpPr>
+          <p:cNvPr id="21" name="Textfeld 20">
+            <a:extLst>
+              <a:ext uri="{FF2B5EF4-FFF2-40B4-BE49-F238E27FC236}">
+                <a16:creationId xmlns:a16="http://schemas.microsoft.com/office/drawing/2014/main" id="{088C6F4E-7663-33AD-11ED-334DC1902FA5}"/>
+              </a:ext>
+            </a:extLst>
+          </p:cNvPr>
+          <p:cNvSpPr txBox="1"/>
+          <p:nvPr/>
+        </p:nvSpPr>
+        <p:spPr>
+          <a:xfrm>
+            <a:off x="25645004" y="31176335"/>
+            <a:ext cx="4763331" cy="1815882"/>
+          </a:xfrm>
+          <a:prstGeom prst="rect">
+            <a:avLst/>
+          </a:prstGeom>
+          <a:noFill/>
+        </p:spPr>
+        <p:txBody>
+          <a:bodyPr wrap="square">
+            <a:spAutoFit/>
+          </a:bodyPr>
+          <a:lstStyle/>
+          <a:p>
+            <a:r>
+              <a:rPr lang="en-US" sz="2800" dirty="0"/>
+              <a:t>Figure 2: Plot of substation (red) connected by power lines (blue) in a section of North Rhine Westphalia</a:t>
+            </a:r>
+            <a:endParaRPr lang="de-DE" sz="2800" dirty="0"/>
           </a:p>
         </p:txBody>
       </p:sp>

--- a/Poster.pptx
+++ b/Poster.pptx
@@ -450,7 +450,7 @@
                   <a:spcPts val="1223"/>
                 </a:lnSpc>
               </a:pPr>
-              <a:t>‹Nr.›</a:t>
+              <a:t>‹#›</a:t>
             </a:fld>
             <a:endParaRPr lang="de-DE" sz="900">
               <a:latin typeface="Arial"/>
@@ -681,7 +681,7 @@
                 </a:lnSpc>
                 <a:defRPr/>
               </a:pPr>
-              <a:t>09.10.2022</a:t>
+              <a:t>10.10.2022</a:t>
             </a:fld>
             <a:endParaRPr lang="de-DE" sz="900"/>
           </a:p>
@@ -1313,7 +1313,7 @@
                   <a:spcPts val="1223"/>
                 </a:lnSpc>
               </a:pPr>
-              <a:t>‹Nr.›</a:t>
+              <a:t>‹#›</a:t>
             </a:fld>
             <a:endParaRPr kumimoji="0" lang="de-DE" sz="900">
               <a:solidFill>
@@ -1547,7 +1547,7 @@
                 </a:lnSpc>
                 <a:defRPr/>
               </a:pPr>
-              <a:t>09.10.2022</a:t>
+              <a:t>10.10.2022</a:t>
             </a:fld>
             <a:endParaRPr lang="de-DE" sz="900"/>
           </a:p>
@@ -8084,8 +8084,8 @@
         </p:nvSpPr>
         <p:spPr>
           <a:xfrm>
-            <a:off x="16512045" y="18428410"/>
-            <a:ext cx="13338017" cy="830997"/>
+            <a:off x="16341884" y="23557178"/>
+            <a:ext cx="13338017" cy="523220"/>
           </a:xfrm>
           <a:prstGeom prst="rect">
             <a:avLst/>
@@ -8099,10 +8099,10 @@
           <a:lstStyle/>
           <a:p>
             <a:r>
-              <a:rPr lang="en-US" sz="4800" b="1" dirty="0"/>
-              <a:t>Table 1: Adapting tables of power objects </a:t>
-            </a:r>
-            <a:endParaRPr lang="en-US" sz="4000" b="1" dirty="0"/>
+              <a:rPr lang="en-US" sz="2800" dirty="0"/>
+              <a:t>Table 1: Example of the adaption of frequency and cables </a:t>
+            </a:r>
+            <a:endParaRPr lang="en-US" sz="2000" dirty="0"/>
           </a:p>
         </p:txBody>
       </p:sp>
@@ -8233,7 +8233,7 @@
           <a:p>
             <a:r>
               <a:rPr lang="en-US" sz="4800" b="1" dirty="0"/>
-              <a:t>Scenario: Missing Frequency value</a:t>
+              <a:t>Scenario: Missing Frequency/Cable Value</a:t>
             </a:r>
             <a:endParaRPr lang="en-US" sz="4000" b="1" dirty="0"/>
           </a:p>
@@ -9034,8 +9034,8 @@
         </p:nvSpPr>
         <p:spPr>
           <a:xfrm>
-            <a:off x="16384240" y="16127184"/>
-            <a:ext cx="13309441" cy="2554545"/>
+            <a:off x="16370460" y="16176859"/>
+            <a:ext cx="13309441" cy="5170646"/>
           </a:xfrm>
           <a:prstGeom prst="rect">
             <a:avLst/>
@@ -9048,24 +9048,29 @@
           </a:bodyPr>
           <a:lstStyle/>
           <a:p>
-            <a:pPr marL="342900" indent="-342900" algn="just">
-              <a:buFont typeface="Arial" panose="020B0604020202020204" pitchFamily="34" charset="0"/>
-              <a:buChar char="•"/>
-            </a:pPr>
+            <a:pPr algn="just"/>
             <a:r>
               <a:rPr lang="en-GB" sz="3400" dirty="0"/>
-              <a:t>If a frequency value is missing, the frequency value of a member of the same circuit is considered and partly used.</a:t>
-            </a:r>
-          </a:p>
-          <a:p>
-            <a:pPr marL="342900" indent="-342900" algn="just">
-              <a:buFont typeface="Arial" panose="020B0604020202020204" pitchFamily="34" charset="0"/>
-              <a:buChar char="•"/>
-            </a:pPr>
+              <a:t>If a frequency value is missing, the frequency value of a member of the same circuit is considered and partly used. Therefore, all neighbours are stored in a </a:t>
+            </a:r>
+            <a:r>
+              <a:rPr lang="en-GB" sz="3400" dirty="0" err="1"/>
+              <a:t>DataFrame</a:t>
+            </a:r>
             <a:r>
               <a:rPr lang="en-GB" sz="3400" dirty="0"/>
-              <a:t>If a line has the same start- or endpoint and the voltage is the same, it is considered as a neighbour.</a:t>
-            </a:r>
+              <a:t>. If a line has the same start- or endpoint and one value of the voltage levels is the same, it is considered as a neighbour. Similar procedures are also used for all</a:t>
+            </a:r>
+          </a:p>
+          <a:p>
+            <a:pPr algn="just"/>
+            <a:r>
+              <a:rPr lang="en-GB" sz="3400" dirty="0"/>
+              <a:t>missing values such as voltage levels or the number of cables. The adaption of a frequency and cable value is illustrated in the following table.</a:t>
+            </a:r>
+          </a:p>
+          <a:p>
+            <a:pPr algn="just"/>
             <a:endParaRPr lang="en-US" sz="3400" dirty="0"/>
           </a:p>
           <a:p>
@@ -9086,7 +9091,7 @@
         <p:spPr>
           <a:xfrm>
             <a:off x="16384241" y="9768869"/>
-            <a:ext cx="13309440" cy="5109091"/>
+            <a:ext cx="13309440" cy="5262979"/>
           </a:xfrm>
           <a:prstGeom prst="rect">
             <a:avLst/>
@@ -9099,6 +9104,19 @@
           </a:bodyPr>
           <a:lstStyle/>
           <a:p>
+            <a:pPr algn="just">
+              <a:spcAft>
+                <a:spcPts val="1200"/>
+              </a:spcAft>
+            </a:pPr>
+            <a:r>
+              <a:rPr lang="en-GB" sz="3400" spc="-5" dirty="0">
+                <a:ea typeface="MS Mincho"/>
+              </a:rPr>
+              <a:t>The task is to add missing data of the components (e.g. substations) through derivations and correlations of existing data, surrounding networks and assumptions for certain characteristics. </a:t>
+            </a:r>
+          </a:p>
+          <a:p>
             <a:pPr marL="457200" indent="-457200" algn="just">
               <a:spcAft>
                 <a:spcPts val="1200"/>
@@ -9110,7 +9128,19 @@
               <a:rPr lang="en-GB" sz="3400" spc="-5" dirty="0">
                 <a:ea typeface="MS Mincho"/>
               </a:rPr>
-              <a:t>The task is to add missing data of the components (e.g. substations) through derivations and correlations of existing data, surrounding networks and assumptions for certain characteristics. </a:t>
+              <a:t>1. Read in the generated CSV-Data as Pandas </a:t>
+            </a:r>
+            <a:r>
+              <a:rPr lang="en-GB" sz="3400" spc="-5" dirty="0" err="1">
+                <a:ea typeface="MS Mincho"/>
+              </a:rPr>
+              <a:t>DataFrame</a:t>
+            </a:r>
+            <a:r>
+              <a:rPr lang="en-GB" sz="3400" spc="-5" dirty="0">
+                <a:ea typeface="MS Mincho"/>
+              </a:rPr>
+              <a:t> and partly split it up. For example, the ways Table is separated in substations and lines/cables. </a:t>
             </a:r>
           </a:p>
           <a:p>
@@ -9125,19 +9155,19 @@
               <a:rPr lang="en-GB" sz="3400" spc="-5" dirty="0">
                 <a:ea typeface="MS Mincho"/>
               </a:rPr>
-              <a:t>1. Read in the generated CSV-Data as Pandas </a:t>
-            </a:r>
-            <a:r>
-              <a:rPr lang="en-GB" sz="3400" spc="-5" dirty="0" err="1">
+              <a:t>2. Adjustment of the data of the respective tags</a:t>
+            </a:r>
+            <a:r>
+              <a:rPr lang="de-DE" sz="3400" spc="-5" dirty="0">
                 <a:ea typeface="MS Mincho"/>
               </a:rPr>
-              <a:t>DataFrame</a:t>
+              <a:t>. </a:t>
             </a:r>
             <a:r>
               <a:rPr lang="en-GB" sz="3400" spc="-5" dirty="0">
                 <a:ea typeface="MS Mincho"/>
               </a:rPr>
-              <a:t> and partly split it up. For example, the ways Table is separated in substations and lines/cables. </a:t>
+              <a:t>Therefore, the data types of same values are unified. </a:t>
             </a:r>
           </a:p>
           <a:p>
@@ -9152,19 +9182,19 @@
               <a:rPr lang="en-GB" sz="3400" spc="-5" dirty="0">
                 <a:ea typeface="MS Mincho"/>
               </a:rPr>
-              <a:t>2. Adjustment of the data of the respective tags</a:t>
-            </a:r>
-            <a:r>
-              <a:rPr lang="de-DE" sz="3400" spc="-5" dirty="0">
+              <a:t>3. Missing data can be </a:t>
+            </a:r>
+            <a:r>
+              <a:rPr lang="en-GB" sz="3400" spc="-5">
                 <a:ea typeface="MS Mincho"/>
               </a:rPr>
-              <a:t>. </a:t>
+              <a:t>added and </a:t>
             </a:r>
             <a:r>
               <a:rPr lang="en-GB" sz="3400" spc="-5" dirty="0">
                 <a:ea typeface="MS Mincho"/>
               </a:rPr>
-              <a:t>Therefore, the data types of same values are unified. Now missing data can be added and errors can be removed. </a:t>
+              <a:t>errors can be removed. </a:t>
             </a:r>
           </a:p>
         </p:txBody>
@@ -9428,8 +9458,8 @@
         </p:blipFill>
         <p:spPr>
           <a:xfrm>
-            <a:off x="16520432" y="19435392"/>
-            <a:ext cx="9180830" cy="4348815"/>
+            <a:off x="19627195" y="20106479"/>
+            <a:ext cx="6767393" cy="3205608"/>
           </a:xfrm>
           <a:prstGeom prst="rect">
             <a:avLst/>
@@ -9541,10 +9571,7 @@
           </a:bodyPr>
           <a:lstStyle/>
           <a:p>
-            <a:pPr marL="457200" indent="-457200" algn="just">
-              <a:buFont typeface="Arial" panose="020B0604020202020204" pitchFamily="34" charset="0"/>
-              <a:buChar char="•"/>
-            </a:pPr>
+            <a:pPr algn="just"/>
             <a:r>
               <a:rPr lang="en-US" sz="3400" dirty="0"/>
               <a:t>The OSM data includes all data of the selected region. Hence the data must be filtered to sort out unnecessary objects like streets and bus lines. For that three Iterations are used:</a:t>
@@ -9658,225 +9685,20 @@
           <a:p>
             <a:pPr algn="just"/>
             <a:r>
-              <a:rPr lang="de-DE" sz="3400" dirty="0"/>
-              <a:t>OSM </a:t>
-            </a:r>
-            <a:r>
-              <a:rPr lang="de-DE" sz="3400" dirty="0" err="1"/>
-              <a:t>is</a:t>
-            </a:r>
-            <a:r>
-              <a:rPr lang="de-DE" sz="3400" dirty="0"/>
-              <a:t> </a:t>
-            </a:r>
-            <a:r>
-              <a:rPr lang="de-DE" sz="3400" dirty="0" err="1"/>
-              <a:t>the</a:t>
-            </a:r>
-            <a:r>
-              <a:rPr lang="de-DE" sz="3400" dirty="0"/>
-              <a:t> </a:t>
-            </a:r>
-            <a:r>
-              <a:rPr lang="de-DE" sz="3400" dirty="0" err="1"/>
-              <a:t>biggest</a:t>
-            </a:r>
-            <a:r>
-              <a:rPr lang="de-DE" sz="3400" dirty="0"/>
-              <a:t> open-source </a:t>
-            </a:r>
-            <a:r>
-              <a:rPr lang="de-DE" sz="3400" dirty="0" err="1"/>
-              <a:t>geodatabase</a:t>
-            </a:r>
-            <a:r>
-              <a:rPr lang="de-DE" sz="3400" dirty="0"/>
-              <a:t> </a:t>
-            </a:r>
-            <a:r>
-              <a:rPr lang="de-DE" sz="3400" dirty="0" err="1"/>
-              <a:t>worldwide</a:t>
-            </a:r>
-            <a:r>
-              <a:rPr lang="de-DE" sz="3400" dirty="0"/>
-              <a:t>, </a:t>
-            </a:r>
-            <a:r>
-              <a:rPr lang="de-DE" sz="3400" dirty="0" err="1"/>
-              <a:t>where</a:t>
-            </a:r>
-            <a:r>
-              <a:rPr lang="de-DE" sz="3400" dirty="0"/>
-              <a:t> </a:t>
-            </a:r>
-            <a:r>
-              <a:rPr lang="de-DE" sz="3400" dirty="0" err="1"/>
-              <a:t>everyone</a:t>
-            </a:r>
-            <a:r>
-              <a:rPr lang="de-DE" sz="3400" dirty="0"/>
-              <a:t> </a:t>
-            </a:r>
-            <a:r>
-              <a:rPr lang="de-DE" sz="3400" dirty="0" err="1"/>
-              <a:t>can</a:t>
-            </a:r>
-            <a:r>
-              <a:rPr lang="de-DE" sz="3400" dirty="0"/>
-              <a:t> </a:t>
-            </a:r>
-            <a:r>
-              <a:rPr lang="de-DE" sz="3400" dirty="0" err="1"/>
-              <a:t>contribute</a:t>
-            </a:r>
-            <a:r>
-              <a:rPr lang="de-DE" sz="3400" dirty="0"/>
-              <a:t> </a:t>
-            </a:r>
-            <a:r>
-              <a:rPr lang="de-DE" sz="3400" dirty="0" err="1"/>
-              <a:t>with</a:t>
-            </a:r>
-            <a:r>
-              <a:rPr lang="de-DE" sz="3400" dirty="0"/>
-              <a:t> </a:t>
-            </a:r>
-            <a:r>
-              <a:rPr lang="de-DE" sz="3400" dirty="0" err="1"/>
-              <a:t>their</a:t>
-            </a:r>
-            <a:r>
-              <a:rPr lang="de-DE" sz="3400" dirty="0"/>
-              <a:t> </a:t>
-            </a:r>
-            <a:r>
-              <a:rPr lang="de-DE" sz="3400" dirty="0" err="1"/>
-              <a:t>input</a:t>
-            </a:r>
-            <a:r>
-              <a:rPr lang="de-DE" sz="3400" dirty="0"/>
-              <a:t> </a:t>
-            </a:r>
-            <a:r>
-              <a:rPr lang="de-DE" sz="3400" dirty="0" err="1"/>
-              <a:t>by</a:t>
-            </a:r>
-            <a:r>
-              <a:rPr lang="de-DE" sz="3400" dirty="0"/>
-              <a:t> </a:t>
-            </a:r>
-            <a:r>
-              <a:rPr lang="de-DE" sz="3400" dirty="0" err="1"/>
-              <a:t>adding</a:t>
-            </a:r>
-            <a:r>
-              <a:rPr lang="de-DE" sz="3400" dirty="0"/>
-              <a:t> </a:t>
-            </a:r>
-            <a:r>
-              <a:rPr lang="de-DE" sz="3400" dirty="0" err="1"/>
-              <a:t>or</a:t>
-            </a:r>
-            <a:r>
-              <a:rPr lang="de-DE" sz="3400" dirty="0"/>
-              <a:t> </a:t>
-            </a:r>
-            <a:r>
-              <a:rPr lang="de-DE" sz="3400" dirty="0" err="1"/>
-              <a:t>adapting</a:t>
-            </a:r>
-            <a:r>
-              <a:rPr lang="de-DE" sz="3400" dirty="0"/>
-              <a:t> </a:t>
-            </a:r>
-            <a:r>
-              <a:rPr lang="de-DE" sz="3400" dirty="0" err="1"/>
-              <a:t>information</a:t>
-            </a:r>
-            <a:r>
-              <a:rPr lang="de-DE" sz="3400" dirty="0"/>
-              <a:t>.</a:t>
+              <a:rPr lang="en-GB" sz="3400" dirty="0"/>
+              <a:t>OSM is the biggest open-source geodatabase worldwide, where everyone can contribute with their input by adding or adapting information.</a:t>
             </a:r>
           </a:p>
           <a:p>
             <a:pPr algn="just"/>
-            <a:endParaRPr lang="de-DE" sz="3400" dirty="0"/>
+            <a:endParaRPr lang="en-GB" sz="3400" dirty="0"/>
           </a:p>
           <a:p>
             <a:pPr algn="just"/>
             <a:r>
-              <a:rPr lang="de-DE" sz="3400" dirty="0"/>
-              <a:t>As </a:t>
-            </a:r>
-            <a:r>
-              <a:rPr lang="de-DE" sz="3400" dirty="0" err="1"/>
-              <a:t>it</a:t>
-            </a:r>
-            <a:r>
-              <a:rPr lang="de-DE" sz="3400" dirty="0"/>
-              <a:t> </a:t>
-            </a:r>
-            <a:r>
-              <a:rPr lang="de-DE" sz="3400" dirty="0" err="1"/>
-              <a:t>is</a:t>
-            </a:r>
-            <a:r>
-              <a:rPr lang="de-DE" sz="3400" dirty="0"/>
-              <a:t> </a:t>
-            </a:r>
-            <a:r>
-              <a:rPr lang="de-DE" sz="3400" dirty="0" err="1"/>
-              <a:t>showed</a:t>
-            </a:r>
-            <a:r>
-              <a:rPr lang="de-DE" sz="3400" dirty="0"/>
-              <a:t> in Figure 1,  </a:t>
-            </a:r>
-            <a:r>
-              <a:rPr lang="de-DE" sz="3400" dirty="0" err="1"/>
-              <a:t>the</a:t>
-            </a:r>
-            <a:r>
-              <a:rPr lang="de-DE" sz="3400" dirty="0"/>
-              <a:t> </a:t>
-            </a:r>
-            <a:r>
-              <a:rPr lang="de-DE" sz="3400" dirty="0" err="1"/>
-              <a:t>main</a:t>
-            </a:r>
-            <a:r>
-              <a:rPr lang="de-DE" sz="3400" dirty="0"/>
-              <a:t> </a:t>
-            </a:r>
-            <a:r>
-              <a:rPr lang="de-DE" sz="3400" dirty="0" err="1"/>
-              <a:t>components</a:t>
-            </a:r>
-            <a:r>
-              <a:rPr lang="de-DE" sz="3400" dirty="0"/>
-              <a:t> </a:t>
-            </a:r>
-            <a:r>
-              <a:rPr lang="de-DE" sz="3400" dirty="0" err="1"/>
-              <a:t>of</a:t>
-            </a:r>
-            <a:r>
-              <a:rPr lang="de-DE" sz="3400" dirty="0"/>
-              <a:t> </a:t>
-            </a:r>
-            <a:r>
-              <a:rPr lang="de-DE" sz="3400" dirty="0" err="1"/>
-              <a:t>the</a:t>
-            </a:r>
-            <a:r>
-              <a:rPr lang="de-DE" sz="3400" dirty="0"/>
-              <a:t> OSM-Database </a:t>
-            </a:r>
-            <a:r>
-              <a:rPr lang="de-DE" sz="3400" dirty="0" err="1"/>
-              <a:t>are</a:t>
-            </a:r>
-            <a:endParaRPr lang="de-DE" sz="3400" dirty="0"/>
+              <a:rPr lang="en-GB" sz="3400" dirty="0"/>
+              <a:t>As it is showed in Figure 1,  the main components of the OSM-Database are</a:t>
+            </a:r>
           </a:p>
           <a:p>
             <a:pPr marL="714375" lvl="1" indent="-457200" algn="just">
@@ -9884,136 +9706,8 @@
               <a:buChar char="•"/>
             </a:pPr>
             <a:r>
-              <a:rPr lang="de-DE" sz="3400" dirty="0"/>
-              <a:t>Nodes, </a:t>
-            </a:r>
-            <a:r>
-              <a:rPr lang="de-DE" sz="3400" dirty="0" err="1"/>
-              <a:t>which</a:t>
-            </a:r>
-            <a:r>
-              <a:rPr lang="de-DE" sz="3400" dirty="0"/>
-              <a:t> </a:t>
-            </a:r>
-            <a:r>
-              <a:rPr lang="de-DE" sz="3400" dirty="0" err="1"/>
-              <a:t>are</a:t>
-            </a:r>
-            <a:r>
-              <a:rPr lang="de-DE" sz="3400" dirty="0"/>
-              <a:t> </a:t>
-            </a:r>
-            <a:r>
-              <a:rPr lang="de-DE" sz="3400" dirty="0" err="1"/>
-              <a:t>composed</a:t>
-            </a:r>
-            <a:r>
-              <a:rPr lang="de-DE" sz="3400" dirty="0"/>
-              <a:t> </a:t>
-            </a:r>
-            <a:r>
-              <a:rPr lang="de-DE" sz="3400" dirty="0" err="1"/>
-              <a:t>of</a:t>
-            </a:r>
-            <a:r>
-              <a:rPr lang="de-DE" sz="3400" dirty="0"/>
-              <a:t> a </a:t>
-            </a:r>
-            <a:r>
-              <a:rPr lang="de-DE" sz="3400" dirty="0" err="1"/>
-              <a:t>set</a:t>
-            </a:r>
-            <a:r>
-              <a:rPr lang="de-DE" sz="3400" dirty="0"/>
-              <a:t> </a:t>
-            </a:r>
-            <a:r>
-              <a:rPr lang="de-DE" sz="3400" dirty="0" err="1"/>
-              <a:t>of</a:t>
-            </a:r>
-            <a:r>
-              <a:rPr lang="de-DE" sz="3400" dirty="0"/>
-              <a:t> </a:t>
-            </a:r>
-            <a:r>
-              <a:rPr lang="de-DE" sz="3400" dirty="0" err="1"/>
-              <a:t>coordinates</a:t>
-            </a:r>
-            <a:r>
-              <a:rPr lang="de-DE" sz="3400" dirty="0"/>
-              <a:t>, </a:t>
-            </a:r>
-            <a:r>
-              <a:rPr lang="de-DE" sz="3400" dirty="0" err="1"/>
-              <a:t>represent</a:t>
-            </a:r>
-            <a:r>
-              <a:rPr lang="de-DE" sz="3400" dirty="0"/>
-              <a:t> </a:t>
-            </a:r>
-            <a:r>
-              <a:rPr lang="de-DE" sz="3400" dirty="0" err="1"/>
-              <a:t>point</a:t>
-            </a:r>
-            <a:r>
-              <a:rPr lang="de-DE" sz="3400" dirty="0"/>
-              <a:t> </a:t>
-            </a:r>
-            <a:r>
-              <a:rPr lang="de-DE" sz="3400" dirty="0" err="1"/>
-              <a:t>objects</a:t>
-            </a:r>
-            <a:r>
-              <a:rPr lang="de-DE" sz="3400" dirty="0"/>
-              <a:t>: in </a:t>
-            </a:r>
-            <a:r>
-              <a:rPr lang="de-DE" sz="3400" dirty="0" err="1"/>
-              <a:t>terms</a:t>
-            </a:r>
-            <a:r>
-              <a:rPr lang="de-DE" sz="3400" dirty="0"/>
-              <a:t> </a:t>
-            </a:r>
-            <a:r>
-              <a:rPr lang="de-DE" sz="3400" dirty="0" err="1"/>
-              <a:t>of</a:t>
-            </a:r>
-            <a:r>
-              <a:rPr lang="de-DE" sz="3400" dirty="0"/>
-              <a:t> </a:t>
-            </a:r>
-            <a:r>
-              <a:rPr lang="de-DE" sz="3400" dirty="0" err="1"/>
-              <a:t>the</a:t>
-            </a:r>
-            <a:r>
-              <a:rPr lang="de-DE" sz="3400" dirty="0"/>
-              <a:t> </a:t>
-            </a:r>
-            <a:r>
-              <a:rPr lang="de-DE" sz="3400" dirty="0" err="1"/>
-              <a:t>electrical</a:t>
-            </a:r>
-            <a:r>
-              <a:rPr lang="de-DE" sz="3400" dirty="0"/>
-              <a:t> </a:t>
-            </a:r>
-            <a:r>
-              <a:rPr lang="de-DE" sz="3400" dirty="0" err="1"/>
-              <a:t>grid</a:t>
-            </a:r>
-            <a:r>
-              <a:rPr lang="de-DE" sz="3400" dirty="0"/>
-              <a:t>, power </a:t>
-            </a:r>
-            <a:r>
-              <a:rPr lang="de-DE" sz="3400" dirty="0" err="1"/>
-              <a:t>poles</a:t>
-            </a:r>
-            <a:r>
-              <a:rPr lang="de-DE" sz="3400" dirty="0"/>
-              <a:t>. </a:t>
+              <a:rPr lang="en-GB" sz="3400" dirty="0"/>
+              <a:t>Nodes, which are composed of a set of coordinates, represent point objects: in terms of the electrical grid, power poles. </a:t>
             </a:r>
           </a:p>
           <a:p>
@@ -10022,76 +9716,8 @@
               <a:buChar char="•"/>
             </a:pPr>
             <a:r>
-              <a:rPr lang="de-DE" sz="3400" dirty="0" err="1"/>
-              <a:t>Ways</a:t>
-            </a:r>
-            <a:r>
-              <a:rPr lang="de-DE" sz="3400" dirty="0"/>
-              <a:t>, </a:t>
-            </a:r>
-            <a:r>
-              <a:rPr lang="de-DE" sz="3400" dirty="0" err="1"/>
-              <a:t>which</a:t>
-            </a:r>
-            <a:r>
-              <a:rPr lang="de-DE" sz="3400" dirty="0"/>
-              <a:t> </a:t>
-            </a:r>
-            <a:r>
-              <a:rPr lang="de-DE" sz="3400" dirty="0" err="1"/>
-              <a:t>represent</a:t>
-            </a:r>
-            <a:r>
-              <a:rPr lang="de-DE" sz="3400" dirty="0"/>
-              <a:t> </a:t>
-            </a:r>
-            <a:r>
-              <a:rPr lang="de-DE" sz="3400" dirty="0" err="1"/>
-              <a:t>line</a:t>
-            </a:r>
-            <a:r>
-              <a:rPr lang="de-DE" sz="3400" dirty="0"/>
-              <a:t> </a:t>
-            </a:r>
-            <a:r>
-              <a:rPr lang="de-DE" sz="3400" dirty="0" err="1"/>
-              <a:t>objects</a:t>
-            </a:r>
-            <a:r>
-              <a:rPr lang="de-DE" sz="3400" dirty="0"/>
-              <a:t> and connect </a:t>
-            </a:r>
-            <a:r>
-              <a:rPr lang="de-DE" sz="3400" dirty="0" err="1"/>
-              <a:t>the</a:t>
-            </a:r>
-            <a:r>
-              <a:rPr lang="de-DE" sz="3400" dirty="0"/>
-              <a:t> Nodes (</a:t>
-            </a:r>
-            <a:r>
-              <a:rPr lang="de-DE" sz="3400" dirty="0" err="1"/>
-              <a:t>connection</a:t>
-            </a:r>
-            <a:r>
-              <a:rPr lang="de-DE" sz="3400" dirty="0"/>
-              <a:t> </a:t>
-            </a:r>
-            <a:r>
-              <a:rPr lang="de-DE" sz="3400" dirty="0" err="1"/>
-              <a:t>of</a:t>
-            </a:r>
-            <a:r>
-              <a:rPr lang="de-DE" sz="3400" dirty="0"/>
-              <a:t> power </a:t>
-            </a:r>
-            <a:r>
-              <a:rPr lang="de-DE" sz="3400" dirty="0" err="1"/>
-              <a:t>poles</a:t>
-            </a:r>
-            <a:r>
-              <a:rPr lang="de-DE" sz="3400" dirty="0"/>
-              <a:t>)</a:t>
+              <a:rPr lang="en-GB" sz="3400" dirty="0"/>
+              <a:t>Ways, which represent line objects and connect the Nodes (connection of power poles)</a:t>
             </a:r>
           </a:p>
         </p:txBody>
@@ -10213,120 +9839,8 @@
               <a:buChar char="•"/>
             </a:pPr>
             <a:r>
-              <a:rPr lang="de-DE" sz="3400" dirty="0"/>
-              <a:t>Relations, </a:t>
-            </a:r>
-            <a:r>
-              <a:rPr lang="de-DE" sz="3400" dirty="0" err="1"/>
-              <a:t>which</a:t>
-            </a:r>
-            <a:r>
-              <a:rPr lang="de-DE" sz="3400" dirty="0"/>
-              <a:t> </a:t>
-            </a:r>
-            <a:r>
-              <a:rPr lang="de-DE" sz="3400" dirty="0" err="1"/>
-              <a:t>represent</a:t>
-            </a:r>
-            <a:r>
-              <a:rPr lang="de-DE" sz="3400" dirty="0"/>
-              <a:t> </a:t>
-            </a:r>
-            <a:r>
-              <a:rPr lang="de-DE" sz="3400" dirty="0" err="1"/>
-              <a:t>the</a:t>
-            </a:r>
-            <a:r>
-              <a:rPr lang="de-DE" sz="3400" dirty="0"/>
-              <a:t> </a:t>
-            </a:r>
-            <a:r>
-              <a:rPr lang="de-DE" sz="3400" dirty="0" err="1"/>
-              <a:t>correlation</a:t>
-            </a:r>
-            <a:r>
-              <a:rPr lang="de-DE" sz="3400" dirty="0"/>
-              <a:t> </a:t>
-            </a:r>
-            <a:r>
-              <a:rPr lang="de-DE" sz="3400" dirty="0" err="1"/>
-              <a:t>between</a:t>
-            </a:r>
-            <a:r>
-              <a:rPr lang="de-DE" sz="3400" dirty="0"/>
-              <a:t> different </a:t>
-            </a:r>
-            <a:r>
-              <a:rPr lang="de-DE" sz="3400" dirty="0" err="1"/>
-              <a:t>objects</a:t>
-            </a:r>
-            <a:r>
-              <a:rPr lang="de-DE" sz="3400" dirty="0"/>
-              <a:t>, </a:t>
-            </a:r>
-            <a:r>
-              <a:rPr lang="de-DE" sz="3400" dirty="0" err="1"/>
-              <a:t>consisting</a:t>
-            </a:r>
-            <a:r>
-              <a:rPr lang="de-DE" sz="3400" dirty="0"/>
-              <a:t> </a:t>
-            </a:r>
-            <a:r>
-              <a:rPr lang="de-DE" sz="3400" dirty="0" err="1"/>
-              <a:t>of</a:t>
-            </a:r>
-            <a:r>
-              <a:rPr lang="de-DE" sz="3400" dirty="0"/>
-              <a:t> a </a:t>
-            </a:r>
-            <a:r>
-              <a:rPr lang="de-DE" sz="3400" dirty="0" err="1"/>
-              <a:t>list</a:t>
-            </a:r>
-            <a:r>
-              <a:rPr lang="de-DE" sz="3400" dirty="0"/>
-              <a:t> </a:t>
-            </a:r>
-            <a:r>
-              <a:rPr lang="de-DE" sz="3400" dirty="0" err="1"/>
-              <a:t>of</a:t>
-            </a:r>
-            <a:r>
-              <a:rPr lang="de-DE" sz="3400" dirty="0"/>
-              <a:t> </a:t>
-            </a:r>
-            <a:r>
-              <a:rPr lang="de-DE" sz="3400" dirty="0" err="1"/>
-              <a:t>members</a:t>
-            </a:r>
-            <a:r>
-              <a:rPr lang="de-DE" sz="3400" dirty="0"/>
-              <a:t> such </a:t>
-            </a:r>
-            <a:r>
-              <a:rPr lang="de-DE" sz="3400" dirty="0" err="1"/>
-              <a:t>as</a:t>
-            </a:r>
-            <a:r>
-              <a:rPr lang="de-DE" sz="3400" dirty="0"/>
-              <a:t> Nodes and </a:t>
-            </a:r>
-            <a:r>
-              <a:rPr lang="de-DE" sz="3400" dirty="0" err="1"/>
-              <a:t>Ways</a:t>
-            </a:r>
-            <a:r>
-              <a:rPr lang="de-DE" sz="3400" dirty="0"/>
-              <a:t>, but also </a:t>
-            </a:r>
-            <a:r>
-              <a:rPr lang="de-DE" sz="3400" dirty="0" err="1"/>
-              <a:t>other</a:t>
-            </a:r>
-            <a:r>
-              <a:rPr lang="de-DE" sz="3400" dirty="0"/>
-              <a:t> Relations</a:t>
+              <a:rPr lang="en-GB" sz="3400" dirty="0"/>
+              <a:t>Relations, which represent the correlation between different objects, consisting of a list of members such as Nodes and Ways, but also other Relations</a:t>
             </a:r>
           </a:p>
           <a:p>
@@ -10335,184 +9849,8 @@
               <a:buChar char="•"/>
             </a:pPr>
             <a:r>
-              <a:rPr lang="de-DE" sz="3400" dirty="0"/>
-              <a:t>Key-Value </a:t>
-            </a:r>
-            <a:r>
-              <a:rPr lang="de-DE" sz="3400" dirty="0" err="1"/>
-              <a:t>pairs</a:t>
-            </a:r>
-            <a:r>
-              <a:rPr lang="de-DE" sz="3400" dirty="0"/>
-              <a:t>, </a:t>
-            </a:r>
-            <a:r>
-              <a:rPr lang="de-DE" sz="3400" dirty="0" err="1"/>
-              <a:t>which</a:t>
-            </a:r>
-            <a:r>
-              <a:rPr lang="de-DE" sz="3400" dirty="0"/>
-              <a:t> </a:t>
-            </a:r>
-            <a:r>
-              <a:rPr lang="de-DE" sz="3400" dirty="0" err="1"/>
-              <a:t>is</a:t>
-            </a:r>
-            <a:r>
-              <a:rPr lang="de-DE" sz="3400" dirty="0"/>
-              <a:t> </a:t>
-            </a:r>
-            <a:r>
-              <a:rPr lang="de-DE" sz="3400" dirty="0" err="1"/>
-              <a:t>called</a:t>
-            </a:r>
-            <a:r>
-              <a:rPr lang="de-DE" sz="3400" dirty="0"/>
-              <a:t> a Tag. </a:t>
-            </a:r>
-            <a:r>
-              <a:rPr lang="de-DE" sz="3400" dirty="0" err="1"/>
-              <a:t>Each</a:t>
-            </a:r>
-            <a:r>
-              <a:rPr lang="de-DE" sz="3400" dirty="0"/>
-              <a:t> Tag </a:t>
-            </a:r>
-            <a:r>
-              <a:rPr lang="de-DE" sz="3400" dirty="0" err="1"/>
-              <a:t>defines</a:t>
-            </a:r>
-            <a:r>
-              <a:rPr lang="de-DE" sz="3400" dirty="0"/>
-              <a:t> </a:t>
-            </a:r>
-            <a:r>
-              <a:rPr lang="de-DE" sz="3400" dirty="0" err="1"/>
-              <a:t>the</a:t>
-            </a:r>
-            <a:r>
-              <a:rPr lang="de-DE" sz="3400" dirty="0"/>
-              <a:t> </a:t>
-            </a:r>
-            <a:r>
-              <a:rPr lang="de-DE" sz="3400" dirty="0" err="1"/>
-              <a:t>property</a:t>
-            </a:r>
-            <a:r>
-              <a:rPr lang="de-DE" sz="3400" dirty="0"/>
-              <a:t> an </a:t>
-            </a:r>
-            <a:r>
-              <a:rPr lang="de-DE" sz="3400" dirty="0" err="1"/>
-              <a:t>object</a:t>
-            </a:r>
-            <a:r>
-              <a:rPr lang="de-DE" sz="3400" dirty="0"/>
-              <a:t>, such </a:t>
-            </a:r>
-            <a:r>
-              <a:rPr lang="de-DE" sz="3400" dirty="0" err="1"/>
-              <a:t>as</a:t>
-            </a:r>
-            <a:r>
-              <a:rPr lang="de-DE" sz="3400" dirty="0"/>
-              <a:t> </a:t>
-            </a:r>
-            <a:r>
-              <a:rPr lang="de-DE" sz="3400" dirty="0" err="1"/>
-              <a:t>the</a:t>
-            </a:r>
-            <a:r>
-              <a:rPr lang="de-DE" sz="3400" dirty="0"/>
-              <a:t> </a:t>
-            </a:r>
-            <a:r>
-              <a:rPr lang="de-DE" sz="3400" dirty="0" err="1"/>
-              <a:t>voltage</a:t>
-            </a:r>
-            <a:r>
-              <a:rPr lang="de-DE" sz="3400" dirty="0"/>
-              <a:t> </a:t>
-            </a:r>
-            <a:r>
-              <a:rPr lang="de-DE" sz="3400" dirty="0" err="1"/>
-              <a:t>level</a:t>
-            </a:r>
-            <a:r>
-              <a:rPr lang="de-DE" sz="3400" dirty="0"/>
-              <a:t>, </a:t>
-            </a:r>
-            <a:r>
-              <a:rPr lang="de-DE" sz="3400" dirty="0" err="1"/>
-              <a:t>frequency</a:t>
-            </a:r>
-            <a:r>
-              <a:rPr lang="de-DE" sz="3400" dirty="0"/>
-              <a:t>, </a:t>
-            </a:r>
-            <a:r>
-              <a:rPr lang="de-DE" sz="3400" dirty="0" err="1"/>
-              <a:t>number</a:t>
-            </a:r>
-            <a:r>
-              <a:rPr lang="de-DE" sz="3400" dirty="0"/>
-              <a:t> </a:t>
-            </a:r>
-            <a:r>
-              <a:rPr lang="de-DE" sz="3400" dirty="0" err="1"/>
-              <a:t>of</a:t>
-            </a:r>
-            <a:r>
-              <a:rPr lang="de-DE" sz="3400" dirty="0"/>
-              <a:t> </a:t>
-            </a:r>
-            <a:r>
-              <a:rPr lang="de-DE" sz="3400" dirty="0" err="1"/>
-              <a:t>cables</a:t>
-            </a:r>
-            <a:r>
-              <a:rPr lang="de-DE" sz="3400" dirty="0"/>
-              <a:t> and </a:t>
-            </a:r>
-            <a:r>
-              <a:rPr lang="de-DE" sz="3400" dirty="0" err="1"/>
-              <a:t>wires</a:t>
-            </a:r>
-            <a:r>
-              <a:rPr lang="de-DE" sz="3400" dirty="0"/>
-              <a:t> per </a:t>
-            </a:r>
-            <a:r>
-              <a:rPr lang="de-DE" sz="3400" dirty="0" err="1"/>
-              <a:t>voltage</a:t>
-            </a:r>
-            <a:r>
-              <a:rPr lang="de-DE" sz="3400" dirty="0"/>
-              <a:t>, </a:t>
-            </a:r>
-            <a:r>
-              <a:rPr lang="de-DE" sz="3400" dirty="0" err="1"/>
-              <a:t>number</a:t>
-            </a:r>
-            <a:r>
-              <a:rPr lang="de-DE" sz="3400" dirty="0"/>
-              <a:t> </a:t>
-            </a:r>
-            <a:r>
-              <a:rPr lang="de-DE" sz="3400" dirty="0" err="1"/>
-              <a:t>of</a:t>
-            </a:r>
-            <a:r>
-              <a:rPr lang="de-DE" sz="3400" dirty="0"/>
-              <a:t> </a:t>
-            </a:r>
-            <a:r>
-              <a:rPr lang="de-DE" sz="3400" dirty="0" err="1"/>
-              <a:t>circuits</a:t>
-            </a:r>
-            <a:r>
-              <a:rPr lang="de-DE" sz="3400" dirty="0"/>
-              <a:t>.</a:t>
+              <a:rPr lang="en-GB" sz="3400" dirty="0"/>
+              <a:t>Key-Value pairs, which is called a Tag. Each Tag defines the property an object, such as the voltage level, frequency, number of cables and wires per voltage, number of circuits.</a:t>
             </a:r>
           </a:p>
         </p:txBody>
